--- a/수업 자료/6 - RG 엔진 기초.pptx
+++ b/수업 자료/6 - RG 엔진 기초.pptx
@@ -17,10 +17,11 @@
     <p:sldId id="344" r:id="rId11"/>
     <p:sldId id="345" r:id="rId12"/>
     <p:sldId id="346" r:id="rId13"/>
-    <p:sldId id="337" r:id="rId14"/>
-    <p:sldId id="270" r:id="rId15"/>
-    <p:sldId id="305" r:id="rId16"/>
-    <p:sldId id="306" r:id="rId17"/>
+    <p:sldId id="347" r:id="rId14"/>
+    <p:sldId id="337" r:id="rId15"/>
+    <p:sldId id="270" r:id="rId16"/>
+    <p:sldId id="305" r:id="rId17"/>
+    <p:sldId id="306" r:id="rId18"/>
   </p:sldIdLst>
   <p:sldSz cx="12192000" cy="6858000"/>
   <p:notesSz cx="6858000" cy="9144000"/>
@@ -274,7 +275,7 @@
           <a:p>
             <a:fld id="{3BAD717E-5B48-41D6-98B3-DB23E84BF0BC}" type="datetimeFigureOut">
               <a:rPr lang="ko-KR" altLang="en-US" smtClean="0"/>
-              <a:t>2021-07-29</a:t>
+              <a:t>2021-07-30</a:t>
             </a:fld>
             <a:endParaRPr lang="ko-KR" altLang="en-US"/>
           </a:p>
@@ -472,7 +473,7 @@
           <a:p>
             <a:fld id="{3BAD717E-5B48-41D6-98B3-DB23E84BF0BC}" type="datetimeFigureOut">
               <a:rPr lang="ko-KR" altLang="en-US" smtClean="0"/>
-              <a:t>2021-07-29</a:t>
+              <a:t>2021-07-30</a:t>
             </a:fld>
             <a:endParaRPr lang="ko-KR" altLang="en-US"/>
           </a:p>
@@ -680,7 +681,7 @@
           <a:p>
             <a:fld id="{3BAD717E-5B48-41D6-98B3-DB23E84BF0BC}" type="datetimeFigureOut">
               <a:rPr lang="ko-KR" altLang="en-US" smtClean="0"/>
-              <a:t>2021-07-29</a:t>
+              <a:t>2021-07-30</a:t>
             </a:fld>
             <a:endParaRPr lang="ko-KR" altLang="en-US"/>
           </a:p>
@@ -878,7 +879,7 @@
           <a:p>
             <a:fld id="{3BAD717E-5B48-41D6-98B3-DB23E84BF0BC}" type="datetimeFigureOut">
               <a:rPr lang="ko-KR" altLang="en-US" smtClean="0"/>
-              <a:t>2021-07-29</a:t>
+              <a:t>2021-07-30</a:t>
             </a:fld>
             <a:endParaRPr lang="ko-KR" altLang="en-US"/>
           </a:p>
@@ -1153,7 +1154,7 @@
           <a:p>
             <a:fld id="{3BAD717E-5B48-41D6-98B3-DB23E84BF0BC}" type="datetimeFigureOut">
               <a:rPr lang="ko-KR" altLang="en-US" smtClean="0"/>
-              <a:t>2021-07-29</a:t>
+              <a:t>2021-07-30</a:t>
             </a:fld>
             <a:endParaRPr lang="ko-KR" altLang="en-US"/>
           </a:p>
@@ -1418,7 +1419,7 @@
           <a:p>
             <a:fld id="{3BAD717E-5B48-41D6-98B3-DB23E84BF0BC}" type="datetimeFigureOut">
               <a:rPr lang="ko-KR" altLang="en-US" smtClean="0"/>
-              <a:t>2021-07-29</a:t>
+              <a:t>2021-07-30</a:t>
             </a:fld>
             <a:endParaRPr lang="ko-KR" altLang="en-US"/>
           </a:p>
@@ -1830,7 +1831,7 @@
           <a:p>
             <a:fld id="{3BAD717E-5B48-41D6-98B3-DB23E84BF0BC}" type="datetimeFigureOut">
               <a:rPr lang="ko-KR" altLang="en-US" smtClean="0"/>
-              <a:t>2021-07-29</a:t>
+              <a:t>2021-07-30</a:t>
             </a:fld>
             <a:endParaRPr lang="ko-KR" altLang="en-US"/>
           </a:p>
@@ -1971,7 +1972,7 @@
           <a:p>
             <a:fld id="{3BAD717E-5B48-41D6-98B3-DB23E84BF0BC}" type="datetimeFigureOut">
               <a:rPr lang="ko-KR" altLang="en-US" smtClean="0"/>
-              <a:t>2021-07-29</a:t>
+              <a:t>2021-07-30</a:t>
             </a:fld>
             <a:endParaRPr lang="ko-KR" altLang="en-US"/>
           </a:p>
@@ -2084,7 +2085,7 @@
           <a:p>
             <a:fld id="{3BAD717E-5B48-41D6-98B3-DB23E84BF0BC}" type="datetimeFigureOut">
               <a:rPr lang="ko-KR" altLang="en-US" smtClean="0"/>
-              <a:t>2021-07-29</a:t>
+              <a:t>2021-07-30</a:t>
             </a:fld>
             <a:endParaRPr lang="ko-KR" altLang="en-US"/>
           </a:p>
@@ -2395,7 +2396,7 @@
           <a:p>
             <a:fld id="{3BAD717E-5B48-41D6-98B3-DB23E84BF0BC}" type="datetimeFigureOut">
               <a:rPr lang="ko-KR" altLang="en-US" smtClean="0"/>
-              <a:t>2021-07-29</a:t>
+              <a:t>2021-07-30</a:t>
             </a:fld>
             <a:endParaRPr lang="ko-KR" altLang="en-US"/>
           </a:p>
@@ -2683,7 +2684,7 @@
           <a:p>
             <a:fld id="{3BAD717E-5B48-41D6-98B3-DB23E84BF0BC}" type="datetimeFigureOut">
               <a:rPr lang="ko-KR" altLang="en-US" smtClean="0"/>
-              <a:t>2021-07-29</a:t>
+              <a:t>2021-07-30</a:t>
             </a:fld>
             <a:endParaRPr lang="ko-KR" altLang="en-US"/>
           </a:p>
@@ -2924,7 +2925,7 @@
           <a:p>
             <a:fld id="{3BAD717E-5B48-41D6-98B3-DB23E84BF0BC}" type="datetimeFigureOut">
               <a:rPr lang="ko-KR" altLang="en-US" smtClean="0"/>
-              <a:t>2021-07-29</a:t>
+              <a:t>2021-07-30</a:t>
             </a:fld>
             <a:endParaRPr lang="ko-KR" altLang="en-US"/>
           </a:p>
@@ -5627,6 +5628,170 @@
         <p:spPr>
           <a:xfrm>
             <a:off x="171888" y="194702"/>
+            <a:ext cx="1627369" cy="523220"/>
+          </a:xfrm>
+          <a:prstGeom prst="rect">
+            <a:avLst/>
+          </a:prstGeom>
+          <a:noFill/>
+        </p:spPr>
+        <p:txBody>
+          <a:bodyPr wrap="none" rtlCol="0">
+            <a:spAutoFit/>
+          </a:bodyPr>
+          <a:lstStyle/>
+          <a:p>
+            <a:r>
+              <a:rPr lang="en-US" altLang="ko-KR" sz="2800">
+                <a:latin typeface="나눔고딕 Light" panose="020D0904000000000000" pitchFamily="50" charset="-127"/>
+                <a:ea typeface="나눔고딕 Light" panose="020D0904000000000000" pitchFamily="50" charset="-127"/>
+              </a:rPr>
+              <a:t>4. </a:t>
+            </a:r>
+            <a:r>
+              <a:rPr lang="ko-KR" altLang="en-US" sz="2800">
+                <a:latin typeface="나눔고딕 Light" panose="020D0904000000000000" pitchFamily="50" charset="-127"/>
+                <a:ea typeface="나눔고딕 Light" panose="020D0904000000000000" pitchFamily="50" charset="-127"/>
+              </a:rPr>
+              <a:t>카메라</a:t>
+            </a:r>
+          </a:p>
+        </p:txBody>
+      </p:sp>
+      <p:cxnSp>
+        <p:nvCxnSpPr>
+          <p:cNvPr id="4" name="직선 연결선 3">
+            <a:extLst>
+              <a:ext uri="{FF2B5EF4-FFF2-40B4-BE49-F238E27FC236}">
+                <a16:creationId xmlns:a16="http://schemas.microsoft.com/office/drawing/2014/main" id="{7442459B-3DED-44F0-9E4C-B50601FEB425}"/>
+              </a:ext>
+            </a:extLst>
+          </p:cNvPr>
+          <p:cNvCxnSpPr>
+            <a:cxnSpLocks/>
+          </p:cNvCxnSpPr>
+          <p:nvPr/>
+        </p:nvCxnSpPr>
+        <p:spPr>
+          <a:xfrm>
+            <a:off x="132133" y="780690"/>
+            <a:ext cx="819295" cy="0"/>
+          </a:xfrm>
+          <a:prstGeom prst="line">
+            <a:avLst/>
+          </a:prstGeom>
+          <a:ln>
+            <a:solidFill>
+              <a:schemeClr val="tx1"/>
+            </a:solidFill>
+          </a:ln>
+        </p:spPr>
+        <p:style>
+          <a:lnRef idx="1">
+            <a:schemeClr val="accent1"/>
+          </a:lnRef>
+          <a:fillRef idx="0">
+            <a:schemeClr val="accent1"/>
+          </a:fillRef>
+          <a:effectRef idx="0">
+            <a:schemeClr val="accent1"/>
+          </a:effectRef>
+          <a:fontRef idx="minor">
+            <a:schemeClr val="tx1"/>
+          </a:fontRef>
+        </p:style>
+      </p:cxnSp>
+      <p:sp>
+        <p:nvSpPr>
+          <p:cNvPr id="12" name="TextBox 11">
+            <a:extLst>
+              <a:ext uri="{FF2B5EF4-FFF2-40B4-BE49-F238E27FC236}">
+                <a16:creationId xmlns:a16="http://schemas.microsoft.com/office/drawing/2014/main" id="{52269997-9168-40DA-820F-40C3ACB6FBBA}"/>
+              </a:ext>
+            </a:extLst>
+          </p:cNvPr>
+          <p:cNvSpPr txBox="1"/>
+          <p:nvPr/>
+        </p:nvSpPr>
+        <p:spPr>
+          <a:xfrm>
+            <a:off x="5645396" y="3178931"/>
+            <a:ext cx="901208" cy="500137"/>
+          </a:xfrm>
+          <a:prstGeom prst="rect">
+            <a:avLst/>
+          </a:prstGeom>
+          <a:noFill/>
+        </p:spPr>
+        <p:txBody>
+          <a:bodyPr wrap="none" rtlCol="0">
+            <a:spAutoFit/>
+          </a:bodyPr>
+          <a:lstStyle/>
+          <a:p>
+            <a:pPr algn="ctr">
+              <a:lnSpc>
+                <a:spcPct val="150000"/>
+              </a:lnSpc>
+            </a:pPr>
+            <a:r>
+              <a:rPr lang="en-US" altLang="ko-KR" sz="2000">
+                <a:solidFill>
+                  <a:schemeClr val="accent6"/>
+                </a:solidFill>
+                <a:latin typeface="나눔고딕 Light" panose="020D0904000000000000" pitchFamily="50" charset="-127"/>
+                <a:ea typeface="나눔고딕 Light" panose="020D0904000000000000" pitchFamily="50" charset="-127"/>
+              </a:rPr>
+              <a:t>TODO</a:t>
+            </a:r>
+          </a:p>
+        </p:txBody>
+      </p:sp>
+    </p:spTree>
+    <p:extLst>
+      <p:ext uri="{BB962C8B-B14F-4D97-AF65-F5344CB8AC3E}">
+        <p14:creationId xmlns:p14="http://schemas.microsoft.com/office/powerpoint/2010/main" val="1102466585"/>
+      </p:ext>
+    </p:extLst>
+  </p:cSld>
+  <p:clrMapOvr>
+    <a:masterClrMapping/>
+  </p:clrMapOvr>
+</p:sld>
+</file>
+
+<file path=ppt/slides/slide14.xml><?xml version="1.0" encoding="utf-8"?>
+<p:sld xmlns:a="http://schemas.openxmlformats.org/drawingml/2006/main" xmlns:r="http://schemas.openxmlformats.org/officeDocument/2006/relationships" xmlns:p="http://schemas.openxmlformats.org/presentationml/2006/main">
+  <p:cSld>
+    <p:spTree>
+      <p:nvGrpSpPr>
+        <p:cNvPr id="1" name=""/>
+        <p:cNvGrpSpPr/>
+        <p:nvPr/>
+      </p:nvGrpSpPr>
+      <p:grpSpPr>
+        <a:xfrm>
+          <a:off x="0" y="0"/>
+          <a:ext cx="0" cy="0"/>
+          <a:chOff x="0" y="0"/>
+          <a:chExt cx="0" cy="0"/>
+        </a:xfrm>
+      </p:grpSpPr>
+      <p:sp>
+        <p:nvSpPr>
+          <p:cNvPr id="6" name="TextBox 5">
+            <a:extLst>
+              <a:ext uri="{FF2B5EF4-FFF2-40B4-BE49-F238E27FC236}">
+                <a16:creationId xmlns:a16="http://schemas.microsoft.com/office/drawing/2014/main" id="{F453C929-8CA3-4E79-AF5D-99EC8407C6CF}"/>
+              </a:ext>
+            </a:extLst>
+          </p:cNvPr>
+          <p:cNvSpPr txBox="1"/>
+          <p:nvPr/>
+        </p:nvSpPr>
+        <p:spPr>
+          <a:xfrm>
+            <a:off x="171888" y="194702"/>
             <a:ext cx="1289135" cy="523220"/>
           </a:xfrm>
           <a:prstGeom prst="rect">
@@ -5645,7 +5810,7 @@
                 <a:latin typeface="나눔고딕 Light" panose="020D0904000000000000" pitchFamily="50" charset="-127"/>
                 <a:ea typeface="나눔고딕 Light" panose="020D0904000000000000" pitchFamily="50" charset="-127"/>
               </a:rPr>
-              <a:t>4. </a:t>
+              <a:t>5. </a:t>
             </a:r>
             <a:r>
               <a:rPr lang="ko-KR" altLang="en-US" sz="2800">
@@ -5760,7 +5925,7 @@
 </p:sld>
 </file>
 
-<file path=ppt/slides/slide14.xml><?xml version="1.0" encoding="utf-8"?>
+<file path=ppt/slides/slide15.xml><?xml version="1.0" encoding="utf-8"?>
 <p:sld xmlns:a="http://schemas.openxmlformats.org/drawingml/2006/main" xmlns:r="http://schemas.openxmlformats.org/officeDocument/2006/relationships" xmlns:p="http://schemas.openxmlformats.org/presentationml/2006/main">
   <p:cSld>
     <p:spTree>
@@ -5919,7 +6084,7 @@
 </p:sld>
 </file>
 
-<file path=ppt/slides/slide15.xml><?xml version="1.0" encoding="utf-8"?>
+<file path=ppt/slides/slide16.xml><?xml version="1.0" encoding="utf-8"?>
 <p:sld xmlns:a="http://schemas.openxmlformats.org/drawingml/2006/main" xmlns:r="http://schemas.openxmlformats.org/officeDocument/2006/relationships" xmlns:p="http://schemas.openxmlformats.org/presentationml/2006/main">
   <p:cSld>
     <p:spTree>
@@ -6118,7 +6283,7 @@
 </p:sld>
 </file>
 
-<file path=ppt/slides/slide16.xml><?xml version="1.0" encoding="utf-8"?>
+<file path=ppt/slides/slide17.xml><?xml version="1.0" encoding="utf-8"?>
 <p:sld xmlns:a="http://schemas.openxmlformats.org/drawingml/2006/main" xmlns:r="http://schemas.openxmlformats.org/officeDocument/2006/relationships" xmlns:p="http://schemas.openxmlformats.org/presentationml/2006/main">
   <p:cSld>
     <p:spTree>
@@ -6348,7 +6513,7 @@
         <p:spPr>
           <a:xfrm>
             <a:off x="4262004" y="2643925"/>
-            <a:ext cx="2393604" cy="1323439"/>
+            <a:ext cx="2393604" cy="1631216"/>
           </a:xfrm>
           <a:prstGeom prst="rect">
             <a:avLst/>
@@ -6441,6 +6606,26 @@
                 <a:ea typeface="나눔고딕 Light" panose="020D0904000000000000" pitchFamily="50" charset="-127"/>
               </a:rPr>
               <a:t>4. </a:t>
+            </a:r>
+            <a:r>
+              <a:rPr lang="ko-KR" altLang="en-US" sz="2000">
+                <a:latin typeface="나눔고딕 Light" panose="020D0904000000000000" pitchFamily="50" charset="-127"/>
+                <a:ea typeface="나눔고딕 Light" panose="020D0904000000000000" pitchFamily="50" charset="-127"/>
+              </a:rPr>
+              <a:t>카메라</a:t>
+            </a:r>
+            <a:endParaRPr lang="en-US" altLang="ko-KR" sz="2000">
+              <a:latin typeface="나눔고딕 Light" panose="020D0904000000000000" pitchFamily="50" charset="-127"/>
+              <a:ea typeface="나눔고딕 Light" panose="020D0904000000000000" pitchFamily="50" charset="-127"/>
+            </a:endParaRPr>
+          </a:p>
+          <a:p>
+            <a:r>
+              <a:rPr lang="en-US" altLang="ko-KR" sz="2000">
+                <a:latin typeface="나눔고딕 Light" panose="020D0904000000000000" pitchFamily="50" charset="-127"/>
+                <a:ea typeface="나눔고딕 Light" panose="020D0904000000000000" pitchFamily="50" charset="-127"/>
+              </a:rPr>
+              <a:t>5. </a:t>
             </a:r>
             <a:r>
               <a:rPr lang="ko-KR" altLang="en-US" sz="2000">

--- a/수업 자료/6 - RG 엔진 기초.pptx
+++ b/수업 자료/6 - RG 엔진 기초.pptx
@@ -1,6 +1,6 @@
 
 <file path=ppt/presentation.xml><?xml version="1.0" encoding="utf-8"?>
-<p:presentation xmlns:a="http://schemas.openxmlformats.org/drawingml/2006/main" xmlns:r="http://schemas.openxmlformats.org/officeDocument/2006/relationships" xmlns:p="http://schemas.openxmlformats.org/presentationml/2006/main" saveSubsetFonts="1">
+<p:presentation xmlns:a="http://schemas.openxmlformats.org/drawingml/2006/main" xmlns:r="http://schemas.openxmlformats.org/officeDocument/2006/relationships" xmlns:p="http://schemas.openxmlformats.org/presentationml/2006/main" embedTrueTypeFonts="1" saveSubsetFonts="1">
   <p:sldMasterIdLst>
     <p:sldMasterId id="2147483648" r:id="rId1"/>
   </p:sldMasterIdLst>
@@ -25,6 +25,24 @@
   </p:sldIdLst>
   <p:sldSz cx="12192000" cy="6858000"/>
   <p:notesSz cx="6858000" cy="9144000"/>
+  <p:embeddedFontLst>
+    <p:embeddedFont>
+      <p:font typeface="나눔고딕 Light" panose="020D0904000000000000" pitchFamily="50" charset="-127"/>
+      <p:regular r:id="rId19"/>
+    </p:embeddedFont>
+    <p:embeddedFont>
+      <p:font typeface="맑은 고딕" panose="020B0503020000020004" pitchFamily="50" charset="-127"/>
+      <p:regular r:id="rId20"/>
+      <p:bold r:id="rId21"/>
+    </p:embeddedFont>
+    <p:embeddedFont>
+      <p:font typeface="Consolas" panose="020B0609020204030204" pitchFamily="49" charset="0"/>
+      <p:regular r:id="rId22"/>
+      <p:bold r:id="rId23"/>
+      <p:italic r:id="rId24"/>
+      <p:boldItalic r:id="rId25"/>
+    </p:embeddedFont>
+  </p:embeddedFontLst>
   <p:defaultTextStyle>
     <a:defPPr>
       <a:defRPr lang="ko-KR"/>
@@ -275,7 +293,7 @@
           <a:p>
             <a:fld id="{3BAD717E-5B48-41D6-98B3-DB23E84BF0BC}" type="datetimeFigureOut">
               <a:rPr lang="ko-KR" altLang="en-US" smtClean="0"/>
-              <a:t>2021-07-30</a:t>
+              <a:t>2021-08-02</a:t>
             </a:fld>
             <a:endParaRPr lang="ko-KR" altLang="en-US"/>
           </a:p>
@@ -473,7 +491,7 @@
           <a:p>
             <a:fld id="{3BAD717E-5B48-41D6-98B3-DB23E84BF0BC}" type="datetimeFigureOut">
               <a:rPr lang="ko-KR" altLang="en-US" smtClean="0"/>
-              <a:t>2021-07-30</a:t>
+              <a:t>2021-08-02</a:t>
             </a:fld>
             <a:endParaRPr lang="ko-KR" altLang="en-US"/>
           </a:p>
@@ -681,7 +699,7 @@
           <a:p>
             <a:fld id="{3BAD717E-5B48-41D6-98B3-DB23E84BF0BC}" type="datetimeFigureOut">
               <a:rPr lang="ko-KR" altLang="en-US" smtClean="0"/>
-              <a:t>2021-07-30</a:t>
+              <a:t>2021-08-02</a:t>
             </a:fld>
             <a:endParaRPr lang="ko-KR" altLang="en-US"/>
           </a:p>
@@ -879,7 +897,7 @@
           <a:p>
             <a:fld id="{3BAD717E-5B48-41D6-98B3-DB23E84BF0BC}" type="datetimeFigureOut">
               <a:rPr lang="ko-KR" altLang="en-US" smtClean="0"/>
-              <a:t>2021-07-30</a:t>
+              <a:t>2021-08-02</a:t>
             </a:fld>
             <a:endParaRPr lang="ko-KR" altLang="en-US"/>
           </a:p>
@@ -1154,7 +1172,7 @@
           <a:p>
             <a:fld id="{3BAD717E-5B48-41D6-98B3-DB23E84BF0BC}" type="datetimeFigureOut">
               <a:rPr lang="ko-KR" altLang="en-US" smtClean="0"/>
-              <a:t>2021-07-30</a:t>
+              <a:t>2021-08-02</a:t>
             </a:fld>
             <a:endParaRPr lang="ko-KR" altLang="en-US"/>
           </a:p>
@@ -1419,7 +1437,7 @@
           <a:p>
             <a:fld id="{3BAD717E-5B48-41D6-98B3-DB23E84BF0BC}" type="datetimeFigureOut">
               <a:rPr lang="ko-KR" altLang="en-US" smtClean="0"/>
-              <a:t>2021-07-30</a:t>
+              <a:t>2021-08-02</a:t>
             </a:fld>
             <a:endParaRPr lang="ko-KR" altLang="en-US"/>
           </a:p>
@@ -1831,7 +1849,7 @@
           <a:p>
             <a:fld id="{3BAD717E-5B48-41D6-98B3-DB23E84BF0BC}" type="datetimeFigureOut">
               <a:rPr lang="ko-KR" altLang="en-US" smtClean="0"/>
-              <a:t>2021-07-30</a:t>
+              <a:t>2021-08-02</a:t>
             </a:fld>
             <a:endParaRPr lang="ko-KR" altLang="en-US"/>
           </a:p>
@@ -1972,7 +1990,7 @@
           <a:p>
             <a:fld id="{3BAD717E-5B48-41D6-98B3-DB23E84BF0BC}" type="datetimeFigureOut">
               <a:rPr lang="ko-KR" altLang="en-US" smtClean="0"/>
-              <a:t>2021-07-30</a:t>
+              <a:t>2021-08-02</a:t>
             </a:fld>
             <a:endParaRPr lang="ko-KR" altLang="en-US"/>
           </a:p>
@@ -2085,7 +2103,7 @@
           <a:p>
             <a:fld id="{3BAD717E-5B48-41D6-98B3-DB23E84BF0BC}" type="datetimeFigureOut">
               <a:rPr lang="ko-KR" altLang="en-US" smtClean="0"/>
-              <a:t>2021-07-30</a:t>
+              <a:t>2021-08-02</a:t>
             </a:fld>
             <a:endParaRPr lang="ko-KR" altLang="en-US"/>
           </a:p>
@@ -2396,7 +2414,7 @@
           <a:p>
             <a:fld id="{3BAD717E-5B48-41D6-98B3-DB23E84BF0BC}" type="datetimeFigureOut">
               <a:rPr lang="ko-KR" altLang="en-US" smtClean="0"/>
-              <a:t>2021-07-30</a:t>
+              <a:t>2021-08-02</a:t>
             </a:fld>
             <a:endParaRPr lang="ko-KR" altLang="en-US"/>
           </a:p>
@@ -2684,7 +2702,7 @@
           <a:p>
             <a:fld id="{3BAD717E-5B48-41D6-98B3-DB23E84BF0BC}" type="datetimeFigureOut">
               <a:rPr lang="ko-KR" altLang="en-US" smtClean="0"/>
-              <a:t>2021-07-30</a:t>
+              <a:t>2021-08-02</a:t>
             </a:fld>
             <a:endParaRPr lang="ko-KR" altLang="en-US"/>
           </a:p>
@@ -2925,7 +2943,7 @@
           <a:p>
             <a:fld id="{3BAD717E-5B48-41D6-98B3-DB23E84BF0BC}" type="datetimeFigureOut">
               <a:rPr lang="ko-KR" altLang="en-US" smtClean="0"/>
-              <a:t>2021-07-30</a:t>
+              <a:t>2021-08-02</a:t>
             </a:fld>
             <a:endParaRPr lang="ko-KR" altLang="en-US"/>
           </a:p>

--- a/수업 자료/6 - RG 엔진 기초.pptx
+++ b/수업 자료/6 - RG 엔진 기초.pptx
@@ -19,28 +19,26 @@
     <p:sldId id="346" r:id="rId13"/>
     <p:sldId id="347" r:id="rId14"/>
     <p:sldId id="337" r:id="rId15"/>
-    <p:sldId id="270" r:id="rId16"/>
-    <p:sldId id="305" r:id="rId17"/>
-    <p:sldId id="306" r:id="rId18"/>
+    <p:sldId id="306" r:id="rId16"/>
   </p:sldIdLst>
   <p:sldSz cx="12192000" cy="6858000"/>
   <p:notesSz cx="6858000" cy="9144000"/>
   <p:embeddedFontLst>
     <p:embeddedFont>
+      <p:font typeface="Consolas" panose="020B0609020204030204" pitchFamily="49" charset="0"/>
+      <p:regular r:id="rId17"/>
+      <p:bold r:id="rId18"/>
+      <p:italic r:id="rId19"/>
+      <p:boldItalic r:id="rId20"/>
+    </p:embeddedFont>
+    <p:embeddedFont>
       <p:font typeface="나눔고딕 Light" panose="020D0904000000000000" pitchFamily="50" charset="-127"/>
-      <p:regular r:id="rId19"/>
+      <p:regular r:id="rId21"/>
     </p:embeddedFont>
     <p:embeddedFont>
       <p:font typeface="맑은 고딕" panose="020B0503020000020004" pitchFamily="50" charset="-127"/>
-      <p:regular r:id="rId20"/>
-      <p:bold r:id="rId21"/>
-    </p:embeddedFont>
-    <p:embeddedFont>
-      <p:font typeface="Consolas" panose="020B0609020204030204" pitchFamily="49" charset="0"/>
       <p:regular r:id="rId22"/>
       <p:bold r:id="rId23"/>
-      <p:italic r:id="rId24"/>
-      <p:boldItalic r:id="rId25"/>
     </p:embeddedFont>
   </p:embeddedFontLst>
   <p:defaultTextStyle>
@@ -293,7 +291,7 @@
           <a:p>
             <a:fld id="{3BAD717E-5B48-41D6-98B3-DB23E84BF0BC}" type="datetimeFigureOut">
               <a:rPr lang="ko-KR" altLang="en-US" smtClean="0"/>
-              <a:t>2021-08-02</a:t>
+              <a:t>2021-08-05</a:t>
             </a:fld>
             <a:endParaRPr lang="ko-KR" altLang="en-US"/>
           </a:p>
@@ -491,7 +489,7 @@
           <a:p>
             <a:fld id="{3BAD717E-5B48-41D6-98B3-DB23E84BF0BC}" type="datetimeFigureOut">
               <a:rPr lang="ko-KR" altLang="en-US" smtClean="0"/>
-              <a:t>2021-08-02</a:t>
+              <a:t>2021-08-05</a:t>
             </a:fld>
             <a:endParaRPr lang="ko-KR" altLang="en-US"/>
           </a:p>
@@ -699,7 +697,7 @@
           <a:p>
             <a:fld id="{3BAD717E-5B48-41D6-98B3-DB23E84BF0BC}" type="datetimeFigureOut">
               <a:rPr lang="ko-KR" altLang="en-US" smtClean="0"/>
-              <a:t>2021-08-02</a:t>
+              <a:t>2021-08-05</a:t>
             </a:fld>
             <a:endParaRPr lang="ko-KR" altLang="en-US"/>
           </a:p>
@@ -897,7 +895,7 @@
           <a:p>
             <a:fld id="{3BAD717E-5B48-41D6-98B3-DB23E84BF0BC}" type="datetimeFigureOut">
               <a:rPr lang="ko-KR" altLang="en-US" smtClean="0"/>
-              <a:t>2021-08-02</a:t>
+              <a:t>2021-08-05</a:t>
             </a:fld>
             <a:endParaRPr lang="ko-KR" altLang="en-US"/>
           </a:p>
@@ -1172,7 +1170,7 @@
           <a:p>
             <a:fld id="{3BAD717E-5B48-41D6-98B3-DB23E84BF0BC}" type="datetimeFigureOut">
               <a:rPr lang="ko-KR" altLang="en-US" smtClean="0"/>
-              <a:t>2021-08-02</a:t>
+              <a:t>2021-08-05</a:t>
             </a:fld>
             <a:endParaRPr lang="ko-KR" altLang="en-US"/>
           </a:p>
@@ -1437,7 +1435,7 @@
           <a:p>
             <a:fld id="{3BAD717E-5B48-41D6-98B3-DB23E84BF0BC}" type="datetimeFigureOut">
               <a:rPr lang="ko-KR" altLang="en-US" smtClean="0"/>
-              <a:t>2021-08-02</a:t>
+              <a:t>2021-08-05</a:t>
             </a:fld>
             <a:endParaRPr lang="ko-KR" altLang="en-US"/>
           </a:p>
@@ -1849,7 +1847,7 @@
           <a:p>
             <a:fld id="{3BAD717E-5B48-41D6-98B3-DB23E84BF0BC}" type="datetimeFigureOut">
               <a:rPr lang="ko-KR" altLang="en-US" smtClean="0"/>
-              <a:t>2021-08-02</a:t>
+              <a:t>2021-08-05</a:t>
             </a:fld>
             <a:endParaRPr lang="ko-KR" altLang="en-US"/>
           </a:p>
@@ -1990,7 +1988,7 @@
           <a:p>
             <a:fld id="{3BAD717E-5B48-41D6-98B3-DB23E84BF0BC}" type="datetimeFigureOut">
               <a:rPr lang="ko-KR" altLang="en-US" smtClean="0"/>
-              <a:t>2021-08-02</a:t>
+              <a:t>2021-08-05</a:t>
             </a:fld>
             <a:endParaRPr lang="ko-KR" altLang="en-US"/>
           </a:p>
@@ -2103,7 +2101,7 @@
           <a:p>
             <a:fld id="{3BAD717E-5B48-41D6-98B3-DB23E84BF0BC}" type="datetimeFigureOut">
               <a:rPr lang="ko-KR" altLang="en-US" smtClean="0"/>
-              <a:t>2021-08-02</a:t>
+              <a:t>2021-08-05</a:t>
             </a:fld>
             <a:endParaRPr lang="ko-KR" altLang="en-US"/>
           </a:p>
@@ -2414,7 +2412,7 @@
           <a:p>
             <a:fld id="{3BAD717E-5B48-41D6-98B3-DB23E84BF0BC}" type="datetimeFigureOut">
               <a:rPr lang="ko-KR" altLang="en-US" smtClean="0"/>
-              <a:t>2021-08-02</a:t>
+              <a:t>2021-08-05</a:t>
             </a:fld>
             <a:endParaRPr lang="ko-KR" altLang="en-US"/>
           </a:p>
@@ -2702,7 +2700,7 @@
           <a:p>
             <a:fld id="{3BAD717E-5B48-41D6-98B3-DB23E84BF0BC}" type="datetimeFigureOut">
               <a:rPr lang="ko-KR" altLang="en-US" smtClean="0"/>
-              <a:t>2021-08-02</a:t>
+              <a:t>2021-08-05</a:t>
             </a:fld>
             <a:endParaRPr lang="ko-KR" altLang="en-US"/>
           </a:p>
@@ -2943,7 +2941,7 @@
           <a:p>
             <a:fld id="{3BAD717E-5B48-41D6-98B3-DB23E84BF0BC}" type="datetimeFigureOut">
               <a:rPr lang="ko-KR" altLang="en-US" smtClean="0"/>
-              <a:t>2021-08-02</a:t>
+              <a:t>2021-08-05</a:t>
             </a:fld>
             <a:endParaRPr lang="ko-KR" altLang="en-US"/>
           </a:p>
@@ -5944,364 +5942,6 @@
 </file>
 
 <file path=ppt/slides/slide15.xml><?xml version="1.0" encoding="utf-8"?>
-<p:sld xmlns:a="http://schemas.openxmlformats.org/drawingml/2006/main" xmlns:r="http://schemas.openxmlformats.org/officeDocument/2006/relationships" xmlns:p="http://schemas.openxmlformats.org/presentationml/2006/main">
-  <p:cSld>
-    <p:spTree>
-      <p:nvGrpSpPr>
-        <p:cNvPr id="1" name=""/>
-        <p:cNvGrpSpPr/>
-        <p:nvPr/>
-      </p:nvGrpSpPr>
-      <p:grpSpPr>
-        <a:xfrm>
-          <a:off x="0" y="0"/>
-          <a:ext cx="0" cy="0"/>
-          <a:chOff x="0" y="0"/>
-          <a:chExt cx="0" cy="0"/>
-        </a:xfrm>
-      </p:grpSpPr>
-      <p:sp>
-        <p:nvSpPr>
-          <p:cNvPr id="6" name="TextBox 5">
-            <a:extLst>
-              <a:ext uri="{FF2B5EF4-FFF2-40B4-BE49-F238E27FC236}">
-                <a16:creationId xmlns:a16="http://schemas.microsoft.com/office/drawing/2014/main" id="{F453C929-8CA3-4E79-AF5D-99EC8407C6CF}"/>
-              </a:ext>
-            </a:extLst>
-          </p:cNvPr>
-          <p:cNvSpPr txBox="1"/>
-          <p:nvPr/>
-        </p:nvSpPr>
-        <p:spPr>
-          <a:xfrm>
-            <a:off x="5207777" y="2629032"/>
-            <a:ext cx="1776448" cy="707886"/>
-          </a:xfrm>
-          <a:prstGeom prst="rect">
-            <a:avLst/>
-          </a:prstGeom>
-          <a:noFill/>
-        </p:spPr>
-        <p:txBody>
-          <a:bodyPr wrap="none" rtlCol="0">
-            <a:spAutoFit/>
-          </a:bodyPr>
-          <a:lstStyle/>
-          <a:p>
-            <a:pPr algn="ctr"/>
-            <a:r>
-              <a:rPr lang="ko-KR" altLang="en-US" sz="4000">
-                <a:latin typeface="나눔고딕 Light" panose="020D0904000000000000" pitchFamily="50" charset="-127"/>
-                <a:ea typeface="나눔고딕 Light" panose="020D0904000000000000" pitchFamily="50" charset="-127"/>
-              </a:rPr>
-              <a:t>수업 끝</a:t>
-            </a:r>
-          </a:p>
-        </p:txBody>
-      </p:sp>
-      <p:sp>
-        <p:nvSpPr>
-          <p:cNvPr id="3" name="TextBox 2">
-            <a:extLst>
-              <a:ext uri="{FF2B5EF4-FFF2-40B4-BE49-F238E27FC236}">
-                <a16:creationId xmlns:a16="http://schemas.microsoft.com/office/drawing/2014/main" id="{3D4DB731-0D09-4D43-B30D-F113660223A3}"/>
-              </a:ext>
-            </a:extLst>
-          </p:cNvPr>
-          <p:cNvSpPr txBox="1"/>
-          <p:nvPr/>
-        </p:nvSpPr>
-        <p:spPr>
-          <a:xfrm>
-            <a:off x="3595155" y="3336918"/>
-            <a:ext cx="1960793" cy="400110"/>
-          </a:xfrm>
-          <a:prstGeom prst="rect">
-            <a:avLst/>
-          </a:prstGeom>
-          <a:noFill/>
-        </p:spPr>
-        <p:txBody>
-          <a:bodyPr wrap="none" rtlCol="0">
-            <a:spAutoFit/>
-          </a:bodyPr>
-          <a:lstStyle/>
-          <a:p>
-            <a:r>
-              <a:rPr lang="en-US" altLang="ko-KR" sz="2000">
-                <a:latin typeface="나눔고딕 Light" panose="020D0904000000000000" pitchFamily="50" charset="-127"/>
-                <a:ea typeface="나눔고딕 Light" panose="020D0904000000000000" pitchFamily="50" charset="-127"/>
-              </a:rPr>
-              <a:t>6. RG </a:t>
-            </a:r>
-            <a:r>
-              <a:rPr lang="ko-KR" altLang="en-US" sz="2000">
-                <a:latin typeface="나눔고딕 Light" panose="020D0904000000000000" pitchFamily="50" charset="-127"/>
-                <a:ea typeface="나눔고딕 Light" panose="020D0904000000000000" pitchFamily="50" charset="-127"/>
-              </a:rPr>
-              <a:t>엔진 기초</a:t>
-            </a:r>
-            <a:endParaRPr lang="en-US" altLang="ko-KR" sz="2000">
-              <a:latin typeface="나눔고딕 Light" panose="020D0904000000000000" pitchFamily="50" charset="-127"/>
-              <a:ea typeface="나눔고딕 Light" panose="020D0904000000000000" pitchFamily="50" charset="-127"/>
-            </a:endParaRPr>
-          </a:p>
-        </p:txBody>
-      </p:sp>
-      <p:cxnSp>
-        <p:nvCxnSpPr>
-          <p:cNvPr id="4" name="직선 연결선 3">
-            <a:extLst>
-              <a:ext uri="{FF2B5EF4-FFF2-40B4-BE49-F238E27FC236}">
-                <a16:creationId xmlns:a16="http://schemas.microsoft.com/office/drawing/2014/main" id="{7442459B-3DED-44F0-9E4C-B50601FEB425}"/>
-              </a:ext>
-            </a:extLst>
-          </p:cNvPr>
-          <p:cNvCxnSpPr/>
-          <p:nvPr/>
-        </p:nvCxnSpPr>
-        <p:spPr>
-          <a:xfrm>
-            <a:off x="3642861" y="3328967"/>
-            <a:ext cx="4858247" cy="0"/>
-          </a:xfrm>
-          <a:prstGeom prst="line">
-            <a:avLst/>
-          </a:prstGeom>
-          <a:ln>
-            <a:solidFill>
-              <a:schemeClr val="tx1"/>
-            </a:solidFill>
-          </a:ln>
-        </p:spPr>
-        <p:style>
-          <a:lnRef idx="1">
-            <a:schemeClr val="accent1"/>
-          </a:lnRef>
-          <a:fillRef idx="0">
-            <a:schemeClr val="accent1"/>
-          </a:fillRef>
-          <a:effectRef idx="0">
-            <a:schemeClr val="accent1"/>
-          </a:effectRef>
-          <a:fontRef idx="minor">
-            <a:schemeClr val="tx1"/>
-          </a:fontRef>
-        </p:style>
-      </p:cxnSp>
-    </p:spTree>
-    <p:extLst>
-      <p:ext uri="{BB962C8B-B14F-4D97-AF65-F5344CB8AC3E}">
-        <p14:creationId xmlns:p14="http://schemas.microsoft.com/office/powerpoint/2010/main" val="297037247"/>
-      </p:ext>
-    </p:extLst>
-  </p:cSld>
-  <p:clrMapOvr>
-    <a:masterClrMapping/>
-  </p:clrMapOvr>
-</p:sld>
-</file>
-
-<file path=ppt/slides/slide16.xml><?xml version="1.0" encoding="utf-8"?>
-<p:sld xmlns:a="http://schemas.openxmlformats.org/drawingml/2006/main" xmlns:r="http://schemas.openxmlformats.org/officeDocument/2006/relationships" xmlns:p="http://schemas.openxmlformats.org/presentationml/2006/main">
-  <p:cSld>
-    <p:spTree>
-      <p:nvGrpSpPr>
-        <p:cNvPr id="1" name=""/>
-        <p:cNvGrpSpPr/>
-        <p:nvPr/>
-      </p:nvGrpSpPr>
-      <p:grpSpPr>
-        <a:xfrm>
-          <a:off x="0" y="0"/>
-          <a:ext cx="0" cy="0"/>
-          <a:chOff x="0" y="0"/>
-          <a:chExt cx="0" cy="0"/>
-        </a:xfrm>
-      </p:grpSpPr>
-      <p:grpSp>
-        <p:nvGrpSpPr>
-          <p:cNvPr id="13" name="그룹 12">
-            <a:extLst>
-              <a:ext uri="{FF2B5EF4-FFF2-40B4-BE49-F238E27FC236}">
-                <a16:creationId xmlns:a16="http://schemas.microsoft.com/office/drawing/2014/main" id="{1B38232E-B195-4659-A498-9F3BC9A92F9C}"/>
-              </a:ext>
-            </a:extLst>
-          </p:cNvPr>
-          <p:cNvGrpSpPr/>
-          <p:nvPr/>
-        </p:nvGrpSpPr>
-        <p:grpSpPr>
-          <a:xfrm>
-            <a:off x="585195" y="602369"/>
-            <a:ext cx="6392818" cy="1418209"/>
-            <a:chOff x="585195" y="602369"/>
-            <a:chExt cx="6392818" cy="1418209"/>
-          </a:xfrm>
-        </p:grpSpPr>
-        <p:grpSp>
-          <p:nvGrpSpPr>
-            <p:cNvPr id="2" name="그룹 1">
-              <a:extLst>
-                <a:ext uri="{FF2B5EF4-FFF2-40B4-BE49-F238E27FC236}">
-                  <a16:creationId xmlns:a16="http://schemas.microsoft.com/office/drawing/2014/main" id="{12A41C93-712B-47EC-A47C-A276B2DE9A6D}"/>
-                </a:ext>
-              </a:extLst>
-            </p:cNvPr>
-            <p:cNvGrpSpPr/>
-            <p:nvPr/>
-          </p:nvGrpSpPr>
-          <p:grpSpPr>
-            <a:xfrm>
-              <a:off x="585195" y="602369"/>
-              <a:ext cx="5989460" cy="1418209"/>
-              <a:chOff x="585195" y="602369"/>
-              <a:chExt cx="5989460" cy="1418209"/>
-            </a:xfrm>
-          </p:grpSpPr>
-          <p:sp>
-            <p:nvSpPr>
-              <p:cNvPr id="6" name="TextBox 5">
-                <a:extLst>
-                  <a:ext uri="{FF2B5EF4-FFF2-40B4-BE49-F238E27FC236}">
-                    <a16:creationId xmlns:a16="http://schemas.microsoft.com/office/drawing/2014/main" id="{F453C929-8CA3-4E79-AF5D-99EC8407C6CF}"/>
-                  </a:ext>
-                </a:extLst>
-              </p:cNvPr>
-              <p:cNvSpPr txBox="1"/>
-              <p:nvPr/>
-            </p:nvSpPr>
-            <p:spPr>
-              <a:xfrm>
-                <a:off x="5617342" y="602369"/>
-                <a:ext cx="957313" cy="584775"/>
-              </a:xfrm>
-              <a:prstGeom prst="rect">
-                <a:avLst/>
-              </a:prstGeom>
-              <a:noFill/>
-            </p:spPr>
-            <p:txBody>
-              <a:bodyPr wrap="none" rtlCol="0">
-                <a:spAutoFit/>
-              </a:bodyPr>
-              <a:lstStyle/>
-              <a:p>
-                <a:pPr algn="ctr"/>
-                <a:r>
-                  <a:rPr lang="ko-KR" altLang="en-US" sz="3200">
-                    <a:latin typeface="나눔고딕 Light" panose="020D0904000000000000" pitchFamily="50" charset="-127"/>
-                    <a:ea typeface="나눔고딕 Light" panose="020D0904000000000000" pitchFamily="50" charset="-127"/>
-                  </a:rPr>
-                  <a:t>과제</a:t>
-                </a:r>
-              </a:p>
-            </p:txBody>
-          </p:sp>
-          <p:sp>
-            <p:nvSpPr>
-              <p:cNvPr id="3" name="TextBox 2">
-                <a:extLst>
-                  <a:ext uri="{FF2B5EF4-FFF2-40B4-BE49-F238E27FC236}">
-                    <a16:creationId xmlns:a16="http://schemas.microsoft.com/office/drawing/2014/main" id="{3D4DB731-0D09-4D43-B30D-F113660223A3}"/>
-                  </a:ext>
-                </a:extLst>
-              </p:cNvPr>
-              <p:cNvSpPr txBox="1"/>
-              <p:nvPr/>
-            </p:nvSpPr>
-            <p:spPr>
-              <a:xfrm>
-                <a:off x="585195" y="1620468"/>
-                <a:ext cx="1127232" cy="400110"/>
-              </a:xfrm>
-              <a:prstGeom prst="rect">
-                <a:avLst/>
-              </a:prstGeom>
-              <a:noFill/>
-            </p:spPr>
-            <p:txBody>
-              <a:bodyPr wrap="none" rtlCol="0">
-                <a:spAutoFit/>
-              </a:bodyPr>
-              <a:lstStyle/>
-              <a:p>
-                <a:pPr marL="457200" indent="-457200">
-                  <a:buAutoNum type="arabicPeriod"/>
-                </a:pPr>
-                <a:r>
-                  <a:rPr lang="ko-KR" altLang="en-US" sz="2000">
-                    <a:latin typeface="나눔고딕 Light" panose="020D0904000000000000" pitchFamily="50" charset="-127"/>
-                    <a:ea typeface="나눔고딕 Light" panose="020D0904000000000000" pitchFamily="50" charset="-127"/>
-                  </a:rPr>
-                  <a:t>없음</a:t>
-                </a:r>
-                <a:endParaRPr lang="en-US" altLang="ko-KR" sz="2000">
-                  <a:latin typeface="나눔고딕 Light" panose="020D0904000000000000" pitchFamily="50" charset="-127"/>
-                  <a:ea typeface="나눔고딕 Light" panose="020D0904000000000000" pitchFamily="50" charset="-127"/>
-                </a:endParaRPr>
-              </a:p>
-            </p:txBody>
-          </p:sp>
-        </p:grpSp>
-        <p:cxnSp>
-          <p:nvCxnSpPr>
-            <p:cNvPr id="4" name="직선 연결선 3">
-              <a:extLst>
-                <a:ext uri="{FF2B5EF4-FFF2-40B4-BE49-F238E27FC236}">
-                  <a16:creationId xmlns:a16="http://schemas.microsoft.com/office/drawing/2014/main" id="{7442459B-3DED-44F0-9E4C-B50601FEB425}"/>
-                </a:ext>
-              </a:extLst>
-            </p:cNvPr>
-            <p:cNvCxnSpPr>
-              <a:cxnSpLocks/>
-            </p:cNvCxnSpPr>
-            <p:nvPr/>
-          </p:nvCxnSpPr>
-          <p:spPr>
-            <a:xfrm>
-              <a:off x="5213987" y="1221148"/>
-              <a:ext cx="1764026" cy="0"/>
-            </a:xfrm>
-            <a:prstGeom prst="line">
-              <a:avLst/>
-            </a:prstGeom>
-            <a:ln>
-              <a:solidFill>
-                <a:schemeClr val="tx1"/>
-              </a:solidFill>
-            </a:ln>
-          </p:spPr>
-          <p:style>
-            <a:lnRef idx="1">
-              <a:schemeClr val="accent1"/>
-            </a:lnRef>
-            <a:fillRef idx="0">
-              <a:schemeClr val="accent1"/>
-            </a:fillRef>
-            <a:effectRef idx="0">
-              <a:schemeClr val="accent1"/>
-            </a:effectRef>
-            <a:fontRef idx="minor">
-              <a:schemeClr val="tx1"/>
-            </a:fontRef>
-          </p:style>
-        </p:cxnSp>
-      </p:grpSp>
-    </p:spTree>
-    <p:extLst>
-      <p:ext uri="{BB962C8B-B14F-4D97-AF65-F5344CB8AC3E}">
-        <p14:creationId xmlns:p14="http://schemas.microsoft.com/office/powerpoint/2010/main" val="2465698924"/>
-      </p:ext>
-    </p:extLst>
-  </p:cSld>
-  <p:clrMapOvr>
-    <a:masterClrMapping/>
-  </p:clrMapOvr>
-</p:sld>
-</file>
-
-<file path=ppt/slides/slide17.xml><?xml version="1.0" encoding="utf-8"?>
 <p:sld xmlns:a="http://schemas.openxmlformats.org/drawingml/2006/main" xmlns:r="http://schemas.openxmlformats.org/officeDocument/2006/relationships" xmlns:p="http://schemas.openxmlformats.org/presentationml/2006/main">
   <p:cSld>
     <p:spTree>

--- a/수업 자료/6 - RG 엔진 기초.pptx
+++ b/수업 자료/6 - RG 엔진 기초.pptx
@@ -18,27 +18,30 @@
     <p:sldId id="345" r:id="rId12"/>
     <p:sldId id="346" r:id="rId13"/>
     <p:sldId id="347" r:id="rId14"/>
-    <p:sldId id="337" r:id="rId15"/>
-    <p:sldId id="306" r:id="rId16"/>
+    <p:sldId id="348" r:id="rId15"/>
+    <p:sldId id="349" r:id="rId16"/>
+    <p:sldId id="350" r:id="rId17"/>
+    <p:sldId id="337" r:id="rId18"/>
+    <p:sldId id="306" r:id="rId19"/>
   </p:sldIdLst>
   <p:sldSz cx="12192000" cy="6858000"/>
   <p:notesSz cx="6858000" cy="9144000"/>
   <p:embeddedFontLst>
     <p:embeddedFont>
       <p:font typeface="Consolas" panose="020B0609020204030204" pitchFamily="49" charset="0"/>
-      <p:regular r:id="rId17"/>
-      <p:bold r:id="rId18"/>
-      <p:italic r:id="rId19"/>
-      <p:boldItalic r:id="rId20"/>
+      <p:regular r:id="rId20"/>
+      <p:bold r:id="rId21"/>
+      <p:italic r:id="rId22"/>
+      <p:boldItalic r:id="rId23"/>
     </p:embeddedFont>
     <p:embeddedFont>
       <p:font typeface="나눔고딕 Light" panose="020D0904000000000000" pitchFamily="50" charset="-127"/>
-      <p:regular r:id="rId21"/>
+      <p:regular r:id="rId24"/>
     </p:embeddedFont>
     <p:embeddedFont>
       <p:font typeface="맑은 고딕" panose="020B0503020000020004" pitchFamily="50" charset="-127"/>
-      <p:regular r:id="rId22"/>
-      <p:bold r:id="rId23"/>
+      <p:regular r:id="rId25"/>
+      <p:bold r:id="rId26"/>
     </p:embeddedFont>
   </p:embeddedFontLst>
   <p:defaultTextStyle>
@@ -291,7 +294,7 @@
           <a:p>
             <a:fld id="{3BAD717E-5B48-41D6-98B3-DB23E84BF0BC}" type="datetimeFigureOut">
               <a:rPr lang="ko-KR" altLang="en-US" smtClean="0"/>
-              <a:t>2021-08-05</a:t>
+              <a:t>2021-08-08</a:t>
             </a:fld>
             <a:endParaRPr lang="ko-KR" altLang="en-US"/>
           </a:p>
@@ -489,7 +492,7 @@
           <a:p>
             <a:fld id="{3BAD717E-5B48-41D6-98B3-DB23E84BF0BC}" type="datetimeFigureOut">
               <a:rPr lang="ko-KR" altLang="en-US" smtClean="0"/>
-              <a:t>2021-08-05</a:t>
+              <a:t>2021-08-08</a:t>
             </a:fld>
             <a:endParaRPr lang="ko-KR" altLang="en-US"/>
           </a:p>
@@ -697,7 +700,7 @@
           <a:p>
             <a:fld id="{3BAD717E-5B48-41D6-98B3-DB23E84BF0BC}" type="datetimeFigureOut">
               <a:rPr lang="ko-KR" altLang="en-US" smtClean="0"/>
-              <a:t>2021-08-05</a:t>
+              <a:t>2021-08-08</a:t>
             </a:fld>
             <a:endParaRPr lang="ko-KR" altLang="en-US"/>
           </a:p>
@@ -895,7 +898,7 @@
           <a:p>
             <a:fld id="{3BAD717E-5B48-41D6-98B3-DB23E84BF0BC}" type="datetimeFigureOut">
               <a:rPr lang="ko-KR" altLang="en-US" smtClean="0"/>
-              <a:t>2021-08-05</a:t>
+              <a:t>2021-08-08</a:t>
             </a:fld>
             <a:endParaRPr lang="ko-KR" altLang="en-US"/>
           </a:p>
@@ -1170,7 +1173,7 @@
           <a:p>
             <a:fld id="{3BAD717E-5B48-41D6-98B3-DB23E84BF0BC}" type="datetimeFigureOut">
               <a:rPr lang="ko-KR" altLang="en-US" smtClean="0"/>
-              <a:t>2021-08-05</a:t>
+              <a:t>2021-08-08</a:t>
             </a:fld>
             <a:endParaRPr lang="ko-KR" altLang="en-US"/>
           </a:p>
@@ -1435,7 +1438,7 @@
           <a:p>
             <a:fld id="{3BAD717E-5B48-41D6-98B3-DB23E84BF0BC}" type="datetimeFigureOut">
               <a:rPr lang="ko-KR" altLang="en-US" smtClean="0"/>
-              <a:t>2021-08-05</a:t>
+              <a:t>2021-08-08</a:t>
             </a:fld>
             <a:endParaRPr lang="ko-KR" altLang="en-US"/>
           </a:p>
@@ -1847,7 +1850,7 @@
           <a:p>
             <a:fld id="{3BAD717E-5B48-41D6-98B3-DB23E84BF0BC}" type="datetimeFigureOut">
               <a:rPr lang="ko-KR" altLang="en-US" smtClean="0"/>
-              <a:t>2021-08-05</a:t>
+              <a:t>2021-08-08</a:t>
             </a:fld>
             <a:endParaRPr lang="ko-KR" altLang="en-US"/>
           </a:p>
@@ -1988,7 +1991,7 @@
           <a:p>
             <a:fld id="{3BAD717E-5B48-41D6-98B3-DB23E84BF0BC}" type="datetimeFigureOut">
               <a:rPr lang="ko-KR" altLang="en-US" smtClean="0"/>
-              <a:t>2021-08-05</a:t>
+              <a:t>2021-08-08</a:t>
             </a:fld>
             <a:endParaRPr lang="ko-KR" altLang="en-US"/>
           </a:p>
@@ -2101,7 +2104,7 @@
           <a:p>
             <a:fld id="{3BAD717E-5B48-41D6-98B3-DB23E84BF0BC}" type="datetimeFigureOut">
               <a:rPr lang="ko-KR" altLang="en-US" smtClean="0"/>
-              <a:t>2021-08-05</a:t>
+              <a:t>2021-08-08</a:t>
             </a:fld>
             <a:endParaRPr lang="ko-KR" altLang="en-US"/>
           </a:p>
@@ -2412,7 +2415,7 @@
           <a:p>
             <a:fld id="{3BAD717E-5B48-41D6-98B3-DB23E84BF0BC}" type="datetimeFigureOut">
               <a:rPr lang="ko-KR" altLang="en-US" smtClean="0"/>
-              <a:t>2021-08-05</a:t>
+              <a:t>2021-08-08</a:t>
             </a:fld>
             <a:endParaRPr lang="ko-KR" altLang="en-US"/>
           </a:p>
@@ -2700,7 +2703,7 @@
           <a:p>
             <a:fld id="{3BAD717E-5B48-41D6-98B3-DB23E84BF0BC}" type="datetimeFigureOut">
               <a:rPr lang="ko-KR" altLang="en-US" smtClean="0"/>
-              <a:t>2021-08-05</a:t>
+              <a:t>2021-08-08</a:t>
             </a:fld>
             <a:endParaRPr lang="ko-KR" altLang="en-US"/>
           </a:p>
@@ -2941,7 +2944,7 @@
           <a:p>
             <a:fld id="{3BAD717E-5B48-41D6-98B3-DB23E84BF0BC}" type="datetimeFigureOut">
               <a:rPr lang="ko-KR" altLang="en-US" smtClean="0"/>
-              <a:t>2021-08-05</a:t>
+              <a:t>2021-08-08</a:t>
             </a:fld>
             <a:endParaRPr lang="ko-KR" altLang="en-US"/>
           </a:p>
@@ -5631,6 +5634,60 @@
       </p:grpSpPr>
       <p:sp>
         <p:nvSpPr>
+          <p:cNvPr id="7" name="직사각형 6">
+            <a:extLst>
+              <a:ext uri="{FF2B5EF4-FFF2-40B4-BE49-F238E27FC236}">
+                <a16:creationId xmlns:a16="http://schemas.microsoft.com/office/drawing/2014/main" id="{86F6E776-EA06-4722-862B-5EA513F4F490}"/>
+              </a:ext>
+            </a:extLst>
+          </p:cNvPr>
+          <p:cNvSpPr/>
+          <p:nvPr/>
+        </p:nvSpPr>
+        <p:spPr>
+          <a:xfrm>
+            <a:off x="2419184" y="2136250"/>
+            <a:ext cx="7353631" cy="2585499"/>
+          </a:xfrm>
+          <a:prstGeom prst="rect">
+            <a:avLst/>
+          </a:prstGeom>
+          <a:solidFill>
+            <a:schemeClr val="tx1"/>
+          </a:solidFill>
+          <a:ln>
+            <a:solidFill>
+              <a:schemeClr val="tx1"/>
+            </a:solidFill>
+          </a:ln>
+        </p:spPr>
+        <p:style>
+          <a:lnRef idx="2">
+            <a:schemeClr val="accent1">
+              <a:shade val="50000"/>
+            </a:schemeClr>
+          </a:lnRef>
+          <a:fillRef idx="1">
+            <a:schemeClr val="accent1"/>
+          </a:fillRef>
+          <a:effectRef idx="0">
+            <a:schemeClr val="accent1"/>
+          </a:effectRef>
+          <a:fontRef idx="minor">
+            <a:schemeClr val="lt1"/>
+          </a:fontRef>
+        </p:style>
+        <p:txBody>
+          <a:bodyPr rtlCol="0" anchor="ctr"/>
+          <a:lstStyle/>
+          <a:p>
+            <a:pPr algn="ctr"/>
+            <a:endParaRPr lang="ko-KR" altLang="en-US"/>
+          </a:p>
+        </p:txBody>
+      </p:sp>
+      <p:sp>
+        <p:nvSpPr>
           <p:cNvPr id="6" name="TextBox 5">
             <a:extLst>
               <a:ext uri="{FF2B5EF4-FFF2-40B4-BE49-F238E27FC236}">
@@ -5719,10 +5776,306 @@
       </p:cxnSp>
       <p:sp>
         <p:nvSpPr>
-          <p:cNvPr id="12" name="TextBox 11">
+          <p:cNvPr id="2" name="직사각형 1">
             <a:extLst>
               <a:ext uri="{FF2B5EF4-FFF2-40B4-BE49-F238E27FC236}">
-                <a16:creationId xmlns:a16="http://schemas.microsoft.com/office/drawing/2014/main" id="{52269997-9168-40DA-820F-40C3ACB6FBBA}"/>
+                <a16:creationId xmlns:a16="http://schemas.microsoft.com/office/drawing/2014/main" id="{F3A112B2-0D0F-43AD-9313-E7D37940CF49}"/>
+              </a:ext>
+            </a:extLst>
+          </p:cNvPr>
+          <p:cNvSpPr/>
+          <p:nvPr/>
+        </p:nvSpPr>
+        <p:spPr>
+          <a:xfrm>
+            <a:off x="3697355" y="2247567"/>
+            <a:ext cx="4797287" cy="1892410"/>
+          </a:xfrm>
+          <a:prstGeom prst="rect">
+            <a:avLst/>
+          </a:prstGeom>
+          <a:solidFill>
+            <a:schemeClr val="bg1"/>
+          </a:solidFill>
+          <a:ln>
+            <a:solidFill>
+              <a:schemeClr val="tx1"/>
+            </a:solidFill>
+          </a:ln>
+        </p:spPr>
+        <p:style>
+          <a:lnRef idx="2">
+            <a:schemeClr val="accent1">
+              <a:shade val="50000"/>
+            </a:schemeClr>
+          </a:lnRef>
+          <a:fillRef idx="1">
+            <a:schemeClr val="accent1"/>
+          </a:fillRef>
+          <a:effectRef idx="0">
+            <a:schemeClr val="accent1"/>
+          </a:effectRef>
+          <a:fontRef idx="minor">
+            <a:schemeClr val="lt1"/>
+          </a:fontRef>
+        </p:style>
+        <p:txBody>
+          <a:bodyPr rtlCol="0" anchor="ctr"/>
+          <a:lstStyle/>
+          <a:p>
+            <a:pPr algn="ctr"/>
+            <a:endParaRPr lang="ko-KR" altLang="en-US"/>
+          </a:p>
+        </p:txBody>
+      </p:sp>
+      <p:sp>
+        <p:nvSpPr>
+          <p:cNvPr id="8" name="직사각형 7">
+            <a:extLst>
+              <a:ext uri="{FF2B5EF4-FFF2-40B4-BE49-F238E27FC236}">
+                <a16:creationId xmlns:a16="http://schemas.microsoft.com/office/drawing/2014/main" id="{12A9B9E0-2E47-4FBB-B052-48E888FA327B}"/>
+              </a:ext>
+            </a:extLst>
+          </p:cNvPr>
+          <p:cNvSpPr/>
+          <p:nvPr/>
+        </p:nvSpPr>
+        <p:spPr>
+          <a:xfrm>
+            <a:off x="5005862" y="617309"/>
+            <a:ext cx="2180275" cy="860064"/>
+          </a:xfrm>
+          <a:prstGeom prst="rect">
+            <a:avLst/>
+          </a:prstGeom>
+          <a:solidFill>
+            <a:schemeClr val="bg1"/>
+          </a:solidFill>
+          <a:ln>
+            <a:solidFill>
+              <a:schemeClr val="tx1"/>
+            </a:solidFill>
+          </a:ln>
+        </p:spPr>
+        <p:style>
+          <a:lnRef idx="2">
+            <a:schemeClr val="accent1">
+              <a:shade val="50000"/>
+            </a:schemeClr>
+          </a:lnRef>
+          <a:fillRef idx="1">
+            <a:schemeClr val="accent1"/>
+          </a:fillRef>
+          <a:effectRef idx="0">
+            <a:schemeClr val="accent1"/>
+          </a:effectRef>
+          <a:fontRef idx="minor">
+            <a:schemeClr val="lt1"/>
+          </a:fontRef>
+        </p:style>
+        <p:txBody>
+          <a:bodyPr rtlCol="0" anchor="ctr"/>
+          <a:lstStyle/>
+          <a:p>
+            <a:pPr algn="ctr"/>
+            <a:r>
+              <a:rPr lang="en-US" altLang="ko-KR">
+                <a:solidFill>
+                  <a:schemeClr val="tx1"/>
+                </a:solidFill>
+                <a:latin typeface="나눔고딕 Light" panose="020D0904000000000000" pitchFamily="50" charset="-127"/>
+                <a:ea typeface="나눔고딕 Light" panose="020D0904000000000000" pitchFamily="50" charset="-127"/>
+              </a:rPr>
+              <a:t>Camera</a:t>
+            </a:r>
+            <a:endParaRPr lang="ko-KR" altLang="en-US">
+              <a:solidFill>
+                <a:schemeClr val="tx1"/>
+              </a:solidFill>
+              <a:latin typeface="나눔고딕 Light" panose="020D0904000000000000" pitchFamily="50" charset="-127"/>
+              <a:ea typeface="나눔고딕 Light" panose="020D0904000000000000" pitchFamily="50" charset="-127"/>
+            </a:endParaRPr>
+          </a:p>
+        </p:txBody>
+      </p:sp>
+      <p:cxnSp>
+        <p:nvCxnSpPr>
+          <p:cNvPr id="5" name="직선 연결선 4">
+            <a:extLst>
+              <a:ext uri="{FF2B5EF4-FFF2-40B4-BE49-F238E27FC236}">
+                <a16:creationId xmlns:a16="http://schemas.microsoft.com/office/drawing/2014/main" id="{48BB9D9F-2A55-404C-8B0A-C66BB3CF8918}"/>
+              </a:ext>
+            </a:extLst>
+          </p:cNvPr>
+          <p:cNvCxnSpPr>
+            <a:cxnSpLocks/>
+          </p:cNvCxnSpPr>
+          <p:nvPr/>
+        </p:nvCxnSpPr>
+        <p:spPr>
+          <a:xfrm flipV="1">
+            <a:off x="3697355" y="1477373"/>
+            <a:ext cx="1308507" cy="2662604"/>
+          </a:xfrm>
+          <a:prstGeom prst="line">
+            <a:avLst/>
+          </a:prstGeom>
+          <a:ln>
+            <a:solidFill>
+              <a:schemeClr val="tx1"/>
+            </a:solidFill>
+          </a:ln>
+        </p:spPr>
+        <p:style>
+          <a:lnRef idx="1">
+            <a:schemeClr val="accent1"/>
+          </a:lnRef>
+          <a:fillRef idx="0">
+            <a:schemeClr val="accent1"/>
+          </a:fillRef>
+          <a:effectRef idx="0">
+            <a:schemeClr val="accent1"/>
+          </a:effectRef>
+          <a:fontRef idx="minor">
+            <a:schemeClr val="tx1"/>
+          </a:fontRef>
+        </p:style>
+      </p:cxnSp>
+      <p:cxnSp>
+        <p:nvCxnSpPr>
+          <p:cNvPr id="13" name="직선 연결선 12">
+            <a:extLst>
+              <a:ext uri="{FF2B5EF4-FFF2-40B4-BE49-F238E27FC236}">
+                <a16:creationId xmlns:a16="http://schemas.microsoft.com/office/drawing/2014/main" id="{36DAC586-1F94-4054-A957-739C00B7215E}"/>
+              </a:ext>
+            </a:extLst>
+          </p:cNvPr>
+          <p:cNvCxnSpPr>
+            <a:cxnSpLocks/>
+          </p:cNvCxnSpPr>
+          <p:nvPr/>
+        </p:nvCxnSpPr>
+        <p:spPr>
+          <a:xfrm flipH="1" flipV="1">
+            <a:off x="7186137" y="1477373"/>
+            <a:ext cx="1308505" cy="2662604"/>
+          </a:xfrm>
+          <a:prstGeom prst="line">
+            <a:avLst/>
+          </a:prstGeom>
+          <a:ln>
+            <a:solidFill>
+              <a:schemeClr val="tx1"/>
+            </a:solidFill>
+          </a:ln>
+        </p:spPr>
+        <p:style>
+          <a:lnRef idx="1">
+            <a:schemeClr val="accent1"/>
+          </a:lnRef>
+          <a:fillRef idx="0">
+            <a:schemeClr val="accent1"/>
+          </a:fillRef>
+          <a:effectRef idx="0">
+            <a:schemeClr val="accent1"/>
+          </a:effectRef>
+          <a:fontRef idx="minor">
+            <a:schemeClr val="tx1"/>
+          </a:fontRef>
+        </p:style>
+      </p:cxnSp>
+      <p:cxnSp>
+        <p:nvCxnSpPr>
+          <p:cNvPr id="15" name="직선 연결선 14">
+            <a:extLst>
+              <a:ext uri="{FF2B5EF4-FFF2-40B4-BE49-F238E27FC236}">
+                <a16:creationId xmlns:a16="http://schemas.microsoft.com/office/drawing/2014/main" id="{430A5F57-9C37-4A5C-9346-934C50FF04BB}"/>
+              </a:ext>
+            </a:extLst>
+          </p:cNvPr>
+          <p:cNvCxnSpPr>
+            <a:cxnSpLocks/>
+          </p:cNvCxnSpPr>
+          <p:nvPr/>
+        </p:nvCxnSpPr>
+        <p:spPr>
+          <a:xfrm flipH="1" flipV="1">
+            <a:off x="7186137" y="617309"/>
+            <a:ext cx="1308505" cy="1630258"/>
+          </a:xfrm>
+          <a:prstGeom prst="line">
+            <a:avLst/>
+          </a:prstGeom>
+          <a:ln>
+            <a:solidFill>
+              <a:schemeClr val="tx1"/>
+            </a:solidFill>
+          </a:ln>
+        </p:spPr>
+        <p:style>
+          <a:lnRef idx="1">
+            <a:schemeClr val="accent1"/>
+          </a:lnRef>
+          <a:fillRef idx="0">
+            <a:schemeClr val="accent1"/>
+          </a:fillRef>
+          <a:effectRef idx="0">
+            <a:schemeClr val="accent1"/>
+          </a:effectRef>
+          <a:fontRef idx="minor">
+            <a:schemeClr val="tx1"/>
+          </a:fontRef>
+        </p:style>
+      </p:cxnSp>
+      <p:cxnSp>
+        <p:nvCxnSpPr>
+          <p:cNvPr id="18" name="직선 연결선 17">
+            <a:extLst>
+              <a:ext uri="{FF2B5EF4-FFF2-40B4-BE49-F238E27FC236}">
+                <a16:creationId xmlns:a16="http://schemas.microsoft.com/office/drawing/2014/main" id="{21B92661-A76A-43C3-9766-E82907138D69}"/>
+              </a:ext>
+            </a:extLst>
+          </p:cNvPr>
+          <p:cNvCxnSpPr>
+            <a:cxnSpLocks/>
+          </p:cNvCxnSpPr>
+          <p:nvPr/>
+        </p:nvCxnSpPr>
+        <p:spPr>
+          <a:xfrm flipV="1">
+            <a:off x="3697355" y="617309"/>
+            <a:ext cx="1308508" cy="1630258"/>
+          </a:xfrm>
+          <a:prstGeom prst="line">
+            <a:avLst/>
+          </a:prstGeom>
+          <a:ln>
+            <a:solidFill>
+              <a:schemeClr val="tx1"/>
+            </a:solidFill>
+          </a:ln>
+        </p:spPr>
+        <p:style>
+          <a:lnRef idx="1">
+            <a:schemeClr val="accent1"/>
+          </a:lnRef>
+          <a:fillRef idx="0">
+            <a:schemeClr val="accent1"/>
+          </a:fillRef>
+          <a:effectRef idx="0">
+            <a:schemeClr val="accent1"/>
+          </a:effectRef>
+          <a:fontRef idx="minor">
+            <a:schemeClr val="tx1"/>
+          </a:fontRef>
+        </p:style>
+      </p:cxnSp>
+      <p:sp>
+        <p:nvSpPr>
+          <p:cNvPr id="21" name="TextBox 20">
+            <a:extLst>
+              <a:ext uri="{FF2B5EF4-FFF2-40B4-BE49-F238E27FC236}">
+                <a16:creationId xmlns:a16="http://schemas.microsoft.com/office/drawing/2014/main" id="{25A33ABE-96DA-47F1-8F85-41984138076E}"/>
               </a:ext>
             </a:extLst>
           </p:cNvPr>
@@ -5731,8 +6084,8 @@
         </p:nvSpPr>
         <p:spPr>
           <a:xfrm>
-            <a:off x="5645396" y="3178931"/>
-            <a:ext cx="901208" cy="500137"/>
+            <a:off x="2029019" y="5087506"/>
+            <a:ext cx="8133958" cy="1290353"/>
           </a:xfrm>
           <a:prstGeom prst="rect">
             <a:avLst/>
@@ -5745,21 +6098,128 @@
           </a:bodyPr>
           <a:lstStyle/>
           <a:p>
-            <a:pPr algn="ctr">
+            <a:pPr>
               <a:lnSpc>
                 <a:spcPct val="150000"/>
               </a:lnSpc>
             </a:pPr>
             <a:r>
-              <a:rPr lang="en-US" altLang="ko-KR" sz="2000">
-                <a:solidFill>
-                  <a:schemeClr val="accent6"/>
-                </a:solidFill>
-                <a:latin typeface="나눔고딕 Light" panose="020D0904000000000000" pitchFamily="50" charset="-127"/>
-                <a:ea typeface="나눔고딕 Light" panose="020D0904000000000000" pitchFamily="50" charset="-127"/>
-              </a:rPr>
-              <a:t>TODO</a:t>
-            </a:r>
+              <a:rPr lang="ko-KR" altLang="en-US">
+                <a:latin typeface="나눔고딕 Light" panose="020D0904000000000000" pitchFamily="50" charset="-127"/>
+                <a:ea typeface="나눔고딕 Light" panose="020D0904000000000000" pitchFamily="50" charset="-127"/>
+              </a:rPr>
+              <a:t>씬은 무한히 넓지만</a:t>
+            </a:r>
+            <a:r>
+              <a:rPr lang="en-US" altLang="ko-KR">
+                <a:latin typeface="나눔고딕 Light" panose="020D0904000000000000" pitchFamily="50" charset="-127"/>
+                <a:ea typeface="나눔고딕 Light" panose="020D0904000000000000" pitchFamily="50" charset="-127"/>
+              </a:rPr>
+              <a:t>, </a:t>
+            </a:r>
+            <a:r>
+              <a:rPr lang="ko-KR" altLang="en-US">
+                <a:latin typeface="나눔고딕 Light" panose="020D0904000000000000" pitchFamily="50" charset="-127"/>
+                <a:ea typeface="나눔고딕 Light" panose="020D0904000000000000" pitchFamily="50" charset="-127"/>
+              </a:rPr>
+              <a:t>볼 수 있는 공간은 한정적임</a:t>
+            </a:r>
+            <a:endParaRPr lang="en-US" altLang="ko-KR">
+              <a:latin typeface="나눔고딕 Light" panose="020D0904000000000000" pitchFamily="50" charset="-127"/>
+              <a:ea typeface="나눔고딕 Light" panose="020D0904000000000000" pitchFamily="50" charset="-127"/>
+            </a:endParaRPr>
+          </a:p>
+          <a:p>
+            <a:pPr>
+              <a:lnSpc>
+                <a:spcPct val="150000"/>
+              </a:lnSpc>
+            </a:pPr>
+            <a:r>
+              <a:rPr lang="ko-KR" altLang="en-US">
+                <a:latin typeface="나눔고딕 Light" panose="020D0904000000000000" pitchFamily="50" charset="-127"/>
+                <a:ea typeface="나눔고딕 Light" panose="020D0904000000000000" pitchFamily="50" charset="-127"/>
+              </a:rPr>
+              <a:t>카메라는 씬의 일부를 바라보며 이를 플레이어가 볼 스크린 </a:t>
+            </a:r>
+            <a:r>
+              <a:rPr lang="en-US" altLang="ko-KR">
+                <a:latin typeface="나눔고딕 Light" panose="020D0904000000000000" pitchFamily="50" charset="-127"/>
+                <a:ea typeface="나눔고딕 Light" panose="020D0904000000000000" pitchFamily="50" charset="-127"/>
+              </a:rPr>
+              <a:t>(</a:t>
+            </a:r>
+            <a:r>
+              <a:rPr lang="ko-KR" altLang="en-US">
+                <a:latin typeface="나눔고딕 Light" panose="020D0904000000000000" pitchFamily="50" charset="-127"/>
+                <a:ea typeface="나눔고딕 Light" panose="020D0904000000000000" pitchFamily="50" charset="-127"/>
+              </a:rPr>
+              <a:t>혹은 이미지</a:t>
+            </a:r>
+            <a:r>
+              <a:rPr lang="en-US" altLang="ko-KR">
+                <a:latin typeface="나눔고딕 Light" panose="020D0904000000000000" pitchFamily="50" charset="-127"/>
+                <a:ea typeface="나눔고딕 Light" panose="020D0904000000000000" pitchFamily="50" charset="-127"/>
+              </a:rPr>
+              <a:t>)</a:t>
+            </a:r>
+            <a:r>
+              <a:rPr lang="ko-KR" altLang="en-US">
+                <a:latin typeface="나눔고딕 Light" panose="020D0904000000000000" pitchFamily="50" charset="-127"/>
+                <a:ea typeface="나눔고딕 Light" panose="020D0904000000000000" pitchFamily="50" charset="-127"/>
+              </a:rPr>
+              <a:t>로 출력함</a:t>
+            </a:r>
+            <a:endParaRPr lang="en-US" altLang="ko-KR">
+              <a:latin typeface="나눔고딕 Light" panose="020D0904000000000000" pitchFamily="50" charset="-127"/>
+              <a:ea typeface="나눔고딕 Light" panose="020D0904000000000000" pitchFamily="50" charset="-127"/>
+            </a:endParaRPr>
+          </a:p>
+          <a:p>
+            <a:pPr>
+              <a:lnSpc>
+                <a:spcPct val="150000"/>
+              </a:lnSpc>
+            </a:pPr>
+            <a:r>
+              <a:rPr lang="ko-KR" altLang="en-US">
+                <a:latin typeface="나눔고딕 Light" panose="020D0904000000000000" pitchFamily="50" charset="-127"/>
+                <a:ea typeface="나눔고딕 Light" panose="020D0904000000000000" pitchFamily="50" charset="-127"/>
+              </a:rPr>
+              <a:t>카메라는 오브젝트와 비슷하기에</a:t>
+            </a:r>
+            <a:r>
+              <a:rPr lang="en-US" altLang="ko-KR">
+                <a:latin typeface="나눔고딕 Light" panose="020D0904000000000000" pitchFamily="50" charset="-127"/>
+                <a:ea typeface="나눔고딕 Light" panose="020D0904000000000000" pitchFamily="50" charset="-127"/>
+              </a:rPr>
+              <a:t>, </a:t>
+            </a:r>
+            <a:r>
+              <a:rPr lang="ko-KR" altLang="en-US">
+                <a:latin typeface="나눔고딕 Light" panose="020D0904000000000000" pitchFamily="50" charset="-127"/>
+                <a:ea typeface="나눔고딕 Light" panose="020D0904000000000000" pitchFamily="50" charset="-127"/>
+              </a:rPr>
+              <a:t>이동과 회전</a:t>
+            </a:r>
+            <a:r>
+              <a:rPr lang="en-US" altLang="ko-KR">
+                <a:latin typeface="나눔고딕 Light" panose="020D0904000000000000" pitchFamily="50" charset="-127"/>
+                <a:ea typeface="나눔고딕 Light" panose="020D0904000000000000" pitchFamily="50" charset="-127"/>
+              </a:rPr>
+              <a:t>, </a:t>
+            </a:r>
+            <a:r>
+              <a:rPr lang="ko-KR" altLang="en-US">
+                <a:latin typeface="나눔고딕 Light" panose="020D0904000000000000" pitchFamily="50" charset="-127"/>
+                <a:ea typeface="나눔고딕 Light" panose="020D0904000000000000" pitchFamily="50" charset="-127"/>
+              </a:rPr>
+              <a:t>줌인 모두 가능함</a:t>
+            </a:r>
+            <a:endParaRPr lang="en-US" altLang="ko-KR">
+              <a:latin typeface="나눔고딕 Light" panose="020D0904000000000000" pitchFamily="50" charset="-127"/>
+              <a:ea typeface="나눔고딕 Light" panose="020D0904000000000000" pitchFamily="50" charset="-127"/>
+            </a:endParaRPr>
           </a:p>
         </p:txBody>
       </p:sp>
@@ -5777,6 +6237,1531 @@
 </file>
 
 <file path=ppt/slides/slide14.xml><?xml version="1.0" encoding="utf-8"?>
+<p:sld xmlns:a="http://schemas.openxmlformats.org/drawingml/2006/main" xmlns:r="http://schemas.openxmlformats.org/officeDocument/2006/relationships" xmlns:p="http://schemas.openxmlformats.org/presentationml/2006/main">
+  <p:cSld>
+    <p:spTree>
+      <p:nvGrpSpPr>
+        <p:cNvPr id="1" name=""/>
+        <p:cNvGrpSpPr/>
+        <p:nvPr/>
+      </p:nvGrpSpPr>
+      <p:grpSpPr>
+        <a:xfrm>
+          <a:off x="0" y="0"/>
+          <a:ext cx="0" cy="0"/>
+          <a:chOff x="0" y="0"/>
+          <a:chExt cx="0" cy="0"/>
+        </a:xfrm>
+      </p:grpSpPr>
+      <p:sp>
+        <p:nvSpPr>
+          <p:cNvPr id="6" name="TextBox 5">
+            <a:extLst>
+              <a:ext uri="{FF2B5EF4-FFF2-40B4-BE49-F238E27FC236}">
+                <a16:creationId xmlns:a16="http://schemas.microsoft.com/office/drawing/2014/main" id="{F453C929-8CA3-4E79-AF5D-99EC8407C6CF}"/>
+              </a:ext>
+            </a:extLst>
+          </p:cNvPr>
+          <p:cNvSpPr txBox="1"/>
+          <p:nvPr/>
+        </p:nvSpPr>
+        <p:spPr>
+          <a:xfrm>
+            <a:off x="171888" y="194702"/>
+            <a:ext cx="1627369" cy="523220"/>
+          </a:xfrm>
+          <a:prstGeom prst="rect">
+            <a:avLst/>
+          </a:prstGeom>
+          <a:noFill/>
+        </p:spPr>
+        <p:txBody>
+          <a:bodyPr wrap="none" rtlCol="0">
+            <a:spAutoFit/>
+          </a:bodyPr>
+          <a:lstStyle/>
+          <a:p>
+            <a:r>
+              <a:rPr lang="en-US" altLang="ko-KR" sz="2800">
+                <a:latin typeface="나눔고딕 Light" panose="020D0904000000000000" pitchFamily="50" charset="-127"/>
+                <a:ea typeface="나눔고딕 Light" panose="020D0904000000000000" pitchFamily="50" charset="-127"/>
+              </a:rPr>
+              <a:t>4. </a:t>
+            </a:r>
+            <a:r>
+              <a:rPr lang="ko-KR" altLang="en-US" sz="2800">
+                <a:latin typeface="나눔고딕 Light" panose="020D0904000000000000" pitchFamily="50" charset="-127"/>
+                <a:ea typeface="나눔고딕 Light" panose="020D0904000000000000" pitchFamily="50" charset="-127"/>
+              </a:rPr>
+              <a:t>카메라</a:t>
+            </a:r>
+          </a:p>
+        </p:txBody>
+      </p:sp>
+      <p:cxnSp>
+        <p:nvCxnSpPr>
+          <p:cNvPr id="4" name="직선 연결선 3">
+            <a:extLst>
+              <a:ext uri="{FF2B5EF4-FFF2-40B4-BE49-F238E27FC236}">
+                <a16:creationId xmlns:a16="http://schemas.microsoft.com/office/drawing/2014/main" id="{7442459B-3DED-44F0-9E4C-B50601FEB425}"/>
+              </a:ext>
+            </a:extLst>
+          </p:cNvPr>
+          <p:cNvCxnSpPr>
+            <a:cxnSpLocks/>
+          </p:cNvCxnSpPr>
+          <p:nvPr/>
+        </p:nvCxnSpPr>
+        <p:spPr>
+          <a:xfrm>
+            <a:off x="132133" y="780690"/>
+            <a:ext cx="819295" cy="0"/>
+          </a:xfrm>
+          <a:prstGeom prst="line">
+            <a:avLst/>
+          </a:prstGeom>
+          <a:ln>
+            <a:solidFill>
+              <a:schemeClr val="tx1"/>
+            </a:solidFill>
+          </a:ln>
+        </p:spPr>
+        <p:style>
+          <a:lnRef idx="1">
+            <a:schemeClr val="accent1"/>
+          </a:lnRef>
+          <a:fillRef idx="0">
+            <a:schemeClr val="accent1"/>
+          </a:fillRef>
+          <a:effectRef idx="0">
+            <a:schemeClr val="accent1"/>
+          </a:effectRef>
+          <a:fontRef idx="minor">
+            <a:schemeClr val="tx1"/>
+          </a:fontRef>
+        </p:style>
+      </p:cxnSp>
+      <p:sp>
+        <p:nvSpPr>
+          <p:cNvPr id="21" name="TextBox 20">
+            <a:extLst>
+              <a:ext uri="{FF2B5EF4-FFF2-40B4-BE49-F238E27FC236}">
+                <a16:creationId xmlns:a16="http://schemas.microsoft.com/office/drawing/2014/main" id="{25A33ABE-96DA-47F1-8F85-41984138076E}"/>
+              </a:ext>
+            </a:extLst>
+          </p:cNvPr>
+          <p:cNvSpPr txBox="1"/>
+          <p:nvPr/>
+        </p:nvSpPr>
+        <p:spPr>
+          <a:xfrm>
+            <a:off x="2010584" y="4022031"/>
+            <a:ext cx="8170827" cy="1290353"/>
+          </a:xfrm>
+          <a:prstGeom prst="rect">
+            <a:avLst/>
+          </a:prstGeom>
+          <a:noFill/>
+        </p:spPr>
+        <p:txBody>
+          <a:bodyPr wrap="none" rtlCol="0">
+            <a:spAutoFit/>
+          </a:bodyPr>
+          <a:lstStyle/>
+          <a:p>
+            <a:pPr>
+              <a:lnSpc>
+                <a:spcPct val="150000"/>
+              </a:lnSpc>
+            </a:pPr>
+            <a:r>
+              <a:rPr lang="ko-KR" altLang="en-US">
+                <a:latin typeface="나눔고딕 Light" panose="020D0904000000000000" pitchFamily="50" charset="-127"/>
+                <a:ea typeface="나눔고딕 Light" panose="020D0904000000000000" pitchFamily="50" charset="-127"/>
+              </a:rPr>
+              <a:t>모든 씬에는 기본적으로 단 한개의 메인 카메라를 가지고 있음</a:t>
+            </a:r>
+            <a:endParaRPr lang="en-US" altLang="ko-KR">
+              <a:latin typeface="나눔고딕 Light" panose="020D0904000000000000" pitchFamily="50" charset="-127"/>
+              <a:ea typeface="나눔고딕 Light" panose="020D0904000000000000" pitchFamily="50" charset="-127"/>
+            </a:endParaRPr>
+          </a:p>
+          <a:p>
+            <a:pPr>
+              <a:lnSpc>
+                <a:spcPct val="150000"/>
+              </a:lnSpc>
+            </a:pPr>
+            <a:r>
+              <a:rPr lang="ko-KR" altLang="en-US">
+                <a:latin typeface="나눔고딕 Light" panose="020D0904000000000000" pitchFamily="50" charset="-127"/>
+                <a:ea typeface="나눔고딕 Light" panose="020D0904000000000000" pitchFamily="50" charset="-127"/>
+              </a:rPr>
+              <a:t>메인 카메라는 해당 씬을 렌더링할 때</a:t>
+            </a:r>
+            <a:r>
+              <a:rPr lang="en-US" altLang="ko-KR">
+                <a:latin typeface="나눔고딕 Light" panose="020D0904000000000000" pitchFamily="50" charset="-127"/>
+                <a:ea typeface="나눔고딕 Light" panose="020D0904000000000000" pitchFamily="50" charset="-127"/>
+              </a:rPr>
+              <a:t> </a:t>
+            </a:r>
+            <a:r>
+              <a:rPr lang="ko-KR" altLang="en-US">
+                <a:latin typeface="나눔고딕 Light" panose="020D0904000000000000" pitchFamily="50" charset="-127"/>
+                <a:ea typeface="나눔고딕 Light" panose="020D0904000000000000" pitchFamily="50" charset="-127"/>
+              </a:rPr>
+              <a:t>실제 윈도우 화면에 표시될 부분을 나타냄</a:t>
+            </a:r>
+            <a:endParaRPr lang="en-US" altLang="ko-KR">
+              <a:latin typeface="나눔고딕 Light" panose="020D0904000000000000" pitchFamily="50" charset="-127"/>
+              <a:ea typeface="나눔고딕 Light" panose="020D0904000000000000" pitchFamily="50" charset="-127"/>
+            </a:endParaRPr>
+          </a:p>
+          <a:p>
+            <a:pPr>
+              <a:lnSpc>
+                <a:spcPct val="150000"/>
+              </a:lnSpc>
+            </a:pPr>
+            <a:r>
+              <a:rPr lang="ko-KR" altLang="en-US">
+                <a:latin typeface="나눔고딕 Light" panose="020D0904000000000000" pitchFamily="50" charset="-127"/>
+                <a:ea typeface="나눔고딕 Light" panose="020D0904000000000000" pitchFamily="50" charset="-127"/>
+              </a:rPr>
+              <a:t>씬에서 </a:t>
+            </a:r>
+            <a:r>
+              <a:rPr lang="en-US" altLang="ko-KR">
+                <a:latin typeface="나눔고딕 Light" panose="020D0904000000000000" pitchFamily="50" charset="-127"/>
+                <a:ea typeface="나눔고딕 Light" panose="020D0904000000000000" pitchFamily="50" charset="-127"/>
+              </a:rPr>
+              <a:t>GetMainCamera()</a:t>
+            </a:r>
+            <a:r>
+              <a:rPr lang="ko-KR" altLang="en-US">
+                <a:latin typeface="나눔고딕 Light" panose="020D0904000000000000" pitchFamily="50" charset="-127"/>
+                <a:ea typeface="나눔고딕 Light" panose="020D0904000000000000" pitchFamily="50" charset="-127"/>
+              </a:rPr>
+              <a:t>를 호출해서 얻을 수 있고</a:t>
+            </a:r>
+            <a:r>
+              <a:rPr lang="en-US" altLang="ko-KR">
+                <a:latin typeface="나눔고딕 Light" panose="020D0904000000000000" pitchFamily="50" charset="-127"/>
+                <a:ea typeface="나눔고딕 Light" panose="020D0904000000000000" pitchFamily="50" charset="-127"/>
+              </a:rPr>
+              <a:t>, </a:t>
+            </a:r>
+            <a:r>
+              <a:rPr lang="ko-KR" altLang="en-US">
+                <a:latin typeface="나눔고딕 Light" panose="020D0904000000000000" pitchFamily="50" charset="-127"/>
+                <a:ea typeface="나눔고딕 Light" panose="020D0904000000000000" pitchFamily="50" charset="-127"/>
+              </a:rPr>
+              <a:t>메인 카메라의 삭제는 금지됨</a:t>
+            </a:r>
+            <a:endParaRPr lang="en-US" altLang="ko-KR">
+              <a:latin typeface="나눔고딕 Light" panose="020D0904000000000000" pitchFamily="50" charset="-127"/>
+              <a:ea typeface="나눔고딕 Light" panose="020D0904000000000000" pitchFamily="50" charset="-127"/>
+            </a:endParaRPr>
+          </a:p>
+        </p:txBody>
+      </p:sp>
+      <p:sp>
+        <p:nvSpPr>
+          <p:cNvPr id="14" name="TextBox 13">
+            <a:extLst>
+              <a:ext uri="{FF2B5EF4-FFF2-40B4-BE49-F238E27FC236}">
+                <a16:creationId xmlns:a16="http://schemas.microsoft.com/office/drawing/2014/main" id="{CD3C309A-10A8-4CDC-B170-371C5AA5F137}"/>
+              </a:ext>
+            </a:extLst>
+          </p:cNvPr>
+          <p:cNvSpPr txBox="1"/>
+          <p:nvPr/>
+        </p:nvSpPr>
+        <p:spPr>
+          <a:xfrm>
+            <a:off x="3048661" y="1917072"/>
+            <a:ext cx="6094674" cy="1200329"/>
+          </a:xfrm>
+          <a:prstGeom prst="rect">
+            <a:avLst/>
+          </a:prstGeom>
+          <a:solidFill>
+            <a:schemeClr val="tx1"/>
+          </a:solidFill>
+        </p:spPr>
+        <p:txBody>
+          <a:bodyPr wrap="square">
+            <a:spAutoFit/>
+          </a:bodyPr>
+          <a:lstStyle/>
+          <a:p>
+            <a:r>
+              <a:rPr lang="en-US" altLang="ko-KR" b="0">
+                <a:solidFill>
+                  <a:srgbClr val="569CD6"/>
+                </a:solidFill>
+                <a:effectLst/>
+                <a:latin typeface="Consolas" panose="020B0609020204030204" pitchFamily="49" charset="0"/>
+              </a:rPr>
+              <a:t>void</a:t>
+            </a:r>
+            <a:r>
+              <a:rPr lang="en-US" altLang="ko-KR" b="0">
+                <a:solidFill>
+                  <a:srgbClr val="D4D4D4"/>
+                </a:solidFill>
+                <a:effectLst/>
+                <a:latin typeface="Consolas" panose="020B0609020204030204" pitchFamily="49" charset="0"/>
+              </a:rPr>
+              <a:t> </a:t>
+            </a:r>
+            <a:r>
+              <a:rPr lang="en-US" altLang="ko-KR" b="0">
+                <a:solidFill>
+                  <a:srgbClr val="4EC9B0"/>
+                </a:solidFill>
+                <a:effectLst/>
+                <a:latin typeface="Consolas" panose="020B0609020204030204" pitchFamily="49" charset="0"/>
+              </a:rPr>
+              <a:t>TestScene</a:t>
+            </a:r>
+            <a:r>
+              <a:rPr lang="en-US" altLang="ko-KR" b="0">
+                <a:solidFill>
+                  <a:srgbClr val="D4D4D4"/>
+                </a:solidFill>
+                <a:effectLst/>
+                <a:latin typeface="Consolas" panose="020B0609020204030204" pitchFamily="49" charset="0"/>
+              </a:rPr>
+              <a:t>::</a:t>
+            </a:r>
+            <a:r>
+              <a:rPr lang="en-US" altLang="ko-KR" b="0">
+                <a:solidFill>
+                  <a:srgbClr val="DCDCAA"/>
+                </a:solidFill>
+                <a:effectLst/>
+                <a:latin typeface="Consolas" panose="020B0609020204030204" pitchFamily="49" charset="0"/>
+              </a:rPr>
+              <a:t>OnStart</a:t>
+            </a:r>
+            <a:r>
+              <a:rPr lang="en-US" altLang="ko-KR" b="0">
+                <a:solidFill>
+                  <a:srgbClr val="D4D4D4"/>
+                </a:solidFill>
+                <a:effectLst/>
+                <a:latin typeface="Consolas" panose="020B0609020204030204" pitchFamily="49" charset="0"/>
+              </a:rPr>
+              <a:t>()</a:t>
+            </a:r>
+          </a:p>
+          <a:p>
+            <a:r>
+              <a:rPr lang="en-US" altLang="ko-KR" b="0">
+                <a:solidFill>
+                  <a:srgbClr val="D4D4D4"/>
+                </a:solidFill>
+                <a:effectLst/>
+                <a:latin typeface="Consolas" panose="020B0609020204030204" pitchFamily="49" charset="0"/>
+              </a:rPr>
+              <a:t>{</a:t>
+            </a:r>
+          </a:p>
+          <a:p>
+            <a:r>
+              <a:rPr lang="en-US" altLang="ko-KR" b="0">
+                <a:solidFill>
+                  <a:srgbClr val="D4D4D4"/>
+                </a:solidFill>
+                <a:effectLst/>
+                <a:latin typeface="Consolas" panose="020B0609020204030204" pitchFamily="49" charset="0"/>
+              </a:rPr>
+              <a:t>    Camera* cam = </a:t>
+            </a:r>
+            <a:r>
+              <a:rPr lang="en-US" altLang="ko-KR" b="0">
+                <a:solidFill>
+                  <a:srgbClr val="DCDCAA"/>
+                </a:solidFill>
+                <a:effectLst/>
+                <a:latin typeface="Consolas" panose="020B0609020204030204" pitchFamily="49" charset="0"/>
+              </a:rPr>
+              <a:t>GetMainCamera</a:t>
+            </a:r>
+            <a:r>
+              <a:rPr lang="en-US" altLang="ko-KR" b="0">
+                <a:solidFill>
+                  <a:srgbClr val="D4D4D4"/>
+                </a:solidFill>
+                <a:effectLst/>
+                <a:latin typeface="Consolas" panose="020B0609020204030204" pitchFamily="49" charset="0"/>
+              </a:rPr>
+              <a:t>();</a:t>
+            </a:r>
+          </a:p>
+          <a:p>
+            <a:r>
+              <a:rPr lang="en-US" altLang="ko-KR" b="0">
+                <a:solidFill>
+                  <a:srgbClr val="D4D4D4"/>
+                </a:solidFill>
+                <a:effectLst/>
+                <a:latin typeface="Consolas" panose="020B0609020204030204" pitchFamily="49" charset="0"/>
+              </a:rPr>
+              <a:t>}</a:t>
+            </a:r>
+          </a:p>
+        </p:txBody>
+      </p:sp>
+    </p:spTree>
+    <p:extLst>
+      <p:ext uri="{BB962C8B-B14F-4D97-AF65-F5344CB8AC3E}">
+        <p14:creationId xmlns:p14="http://schemas.microsoft.com/office/powerpoint/2010/main" val="4093271595"/>
+      </p:ext>
+    </p:extLst>
+  </p:cSld>
+  <p:clrMapOvr>
+    <a:masterClrMapping/>
+  </p:clrMapOvr>
+</p:sld>
+</file>
+
+<file path=ppt/slides/slide15.xml><?xml version="1.0" encoding="utf-8"?>
+<p:sld xmlns:a="http://schemas.openxmlformats.org/drawingml/2006/main" xmlns:r="http://schemas.openxmlformats.org/officeDocument/2006/relationships" xmlns:p="http://schemas.openxmlformats.org/presentationml/2006/main">
+  <p:cSld>
+    <p:spTree>
+      <p:nvGrpSpPr>
+        <p:cNvPr id="1" name=""/>
+        <p:cNvGrpSpPr/>
+        <p:nvPr/>
+      </p:nvGrpSpPr>
+      <p:grpSpPr>
+        <a:xfrm>
+          <a:off x="0" y="0"/>
+          <a:ext cx="0" cy="0"/>
+          <a:chOff x="0" y="0"/>
+          <a:chExt cx="0" cy="0"/>
+        </a:xfrm>
+      </p:grpSpPr>
+      <p:sp>
+        <p:nvSpPr>
+          <p:cNvPr id="6" name="TextBox 5">
+            <a:extLst>
+              <a:ext uri="{FF2B5EF4-FFF2-40B4-BE49-F238E27FC236}">
+                <a16:creationId xmlns:a16="http://schemas.microsoft.com/office/drawing/2014/main" id="{F453C929-8CA3-4E79-AF5D-99EC8407C6CF}"/>
+              </a:ext>
+            </a:extLst>
+          </p:cNvPr>
+          <p:cNvSpPr txBox="1"/>
+          <p:nvPr/>
+        </p:nvSpPr>
+        <p:spPr>
+          <a:xfrm>
+            <a:off x="171888" y="194702"/>
+            <a:ext cx="1627369" cy="523220"/>
+          </a:xfrm>
+          <a:prstGeom prst="rect">
+            <a:avLst/>
+          </a:prstGeom>
+          <a:noFill/>
+        </p:spPr>
+        <p:txBody>
+          <a:bodyPr wrap="none" rtlCol="0">
+            <a:spAutoFit/>
+          </a:bodyPr>
+          <a:lstStyle/>
+          <a:p>
+            <a:r>
+              <a:rPr lang="en-US" altLang="ko-KR" sz="2800">
+                <a:latin typeface="나눔고딕 Light" panose="020D0904000000000000" pitchFamily="50" charset="-127"/>
+                <a:ea typeface="나눔고딕 Light" panose="020D0904000000000000" pitchFamily="50" charset="-127"/>
+              </a:rPr>
+              <a:t>4. </a:t>
+            </a:r>
+            <a:r>
+              <a:rPr lang="ko-KR" altLang="en-US" sz="2800">
+                <a:latin typeface="나눔고딕 Light" panose="020D0904000000000000" pitchFamily="50" charset="-127"/>
+                <a:ea typeface="나눔고딕 Light" panose="020D0904000000000000" pitchFamily="50" charset="-127"/>
+              </a:rPr>
+              <a:t>카메라</a:t>
+            </a:r>
+          </a:p>
+        </p:txBody>
+      </p:sp>
+      <p:cxnSp>
+        <p:nvCxnSpPr>
+          <p:cNvPr id="4" name="직선 연결선 3">
+            <a:extLst>
+              <a:ext uri="{FF2B5EF4-FFF2-40B4-BE49-F238E27FC236}">
+                <a16:creationId xmlns:a16="http://schemas.microsoft.com/office/drawing/2014/main" id="{7442459B-3DED-44F0-9E4C-B50601FEB425}"/>
+              </a:ext>
+            </a:extLst>
+          </p:cNvPr>
+          <p:cNvCxnSpPr>
+            <a:cxnSpLocks/>
+          </p:cNvCxnSpPr>
+          <p:nvPr/>
+        </p:nvCxnSpPr>
+        <p:spPr>
+          <a:xfrm>
+            <a:off x="132133" y="780690"/>
+            <a:ext cx="819295" cy="0"/>
+          </a:xfrm>
+          <a:prstGeom prst="line">
+            <a:avLst/>
+          </a:prstGeom>
+          <a:ln>
+            <a:solidFill>
+              <a:schemeClr val="tx1"/>
+            </a:solidFill>
+          </a:ln>
+        </p:spPr>
+        <p:style>
+          <a:lnRef idx="1">
+            <a:schemeClr val="accent1"/>
+          </a:lnRef>
+          <a:fillRef idx="0">
+            <a:schemeClr val="accent1"/>
+          </a:fillRef>
+          <a:effectRef idx="0">
+            <a:schemeClr val="accent1"/>
+          </a:effectRef>
+          <a:fontRef idx="minor">
+            <a:schemeClr val="tx1"/>
+          </a:fontRef>
+        </p:style>
+      </p:cxnSp>
+      <p:sp>
+        <p:nvSpPr>
+          <p:cNvPr id="21" name="TextBox 20">
+            <a:extLst>
+              <a:ext uri="{FF2B5EF4-FFF2-40B4-BE49-F238E27FC236}">
+                <a16:creationId xmlns:a16="http://schemas.microsoft.com/office/drawing/2014/main" id="{25A33ABE-96DA-47F1-8F85-41984138076E}"/>
+              </a:ext>
+            </a:extLst>
+          </p:cNvPr>
+          <p:cNvSpPr txBox="1"/>
+          <p:nvPr/>
+        </p:nvSpPr>
+        <p:spPr>
+          <a:xfrm>
+            <a:off x="466091" y="5437363"/>
+            <a:ext cx="11259814" cy="874855"/>
+          </a:xfrm>
+          <a:prstGeom prst="rect">
+            <a:avLst/>
+          </a:prstGeom>
+          <a:noFill/>
+        </p:spPr>
+        <p:txBody>
+          <a:bodyPr wrap="none" rtlCol="0">
+            <a:spAutoFit/>
+          </a:bodyPr>
+          <a:lstStyle/>
+          <a:p>
+            <a:pPr>
+              <a:lnSpc>
+                <a:spcPct val="150000"/>
+              </a:lnSpc>
+            </a:pPr>
+            <a:r>
+              <a:rPr lang="ko-KR" altLang="en-US">
+                <a:latin typeface="나눔고딕 Light" panose="020D0904000000000000" pitchFamily="50" charset="-127"/>
+                <a:ea typeface="나눔고딕 Light" panose="020D0904000000000000" pitchFamily="50" charset="-127"/>
+              </a:rPr>
+              <a:t>오브젝트와 비슷하게 메인 카메라 또한 이동</a:t>
+            </a:r>
+            <a:r>
+              <a:rPr lang="en-US" altLang="ko-KR">
+                <a:latin typeface="나눔고딕 Light" panose="020D0904000000000000" pitchFamily="50" charset="-127"/>
+                <a:ea typeface="나눔고딕 Light" panose="020D0904000000000000" pitchFamily="50" charset="-127"/>
+              </a:rPr>
+              <a:t>, </a:t>
+            </a:r>
+            <a:r>
+              <a:rPr lang="ko-KR" altLang="en-US">
+                <a:latin typeface="나눔고딕 Light" panose="020D0904000000000000" pitchFamily="50" charset="-127"/>
+                <a:ea typeface="나눔고딕 Light" panose="020D0904000000000000" pitchFamily="50" charset="-127"/>
+              </a:rPr>
+              <a:t>회전</a:t>
+            </a:r>
+            <a:r>
+              <a:rPr lang="en-US" altLang="ko-KR">
+                <a:latin typeface="나눔고딕 Light" panose="020D0904000000000000" pitchFamily="50" charset="-127"/>
+                <a:ea typeface="나눔고딕 Light" panose="020D0904000000000000" pitchFamily="50" charset="-127"/>
+              </a:rPr>
+              <a:t>, </a:t>
+            </a:r>
+            <a:r>
+              <a:rPr lang="ko-KR" altLang="en-US">
+                <a:latin typeface="나눔고딕 Light" panose="020D0904000000000000" pitchFamily="50" charset="-127"/>
+                <a:ea typeface="나눔고딕 Light" panose="020D0904000000000000" pitchFamily="50" charset="-127"/>
+              </a:rPr>
+              <a:t>크기 조절 등이 가능함</a:t>
+            </a:r>
+            <a:endParaRPr lang="en-US" altLang="ko-KR">
+              <a:latin typeface="나눔고딕 Light" panose="020D0904000000000000" pitchFamily="50" charset="-127"/>
+              <a:ea typeface="나눔고딕 Light" panose="020D0904000000000000" pitchFamily="50" charset="-127"/>
+            </a:endParaRPr>
+          </a:p>
+          <a:p>
+            <a:pPr>
+              <a:lnSpc>
+                <a:spcPct val="150000"/>
+              </a:lnSpc>
+            </a:pPr>
+            <a:r>
+              <a:rPr lang="ko-KR" altLang="en-US">
+                <a:latin typeface="나눔고딕 Light" panose="020D0904000000000000" pitchFamily="50" charset="-127"/>
+                <a:ea typeface="나눔고딕 Light" panose="020D0904000000000000" pitchFamily="50" charset="-127"/>
+              </a:rPr>
+              <a:t>참고로</a:t>
+            </a:r>
+            <a:r>
+              <a:rPr lang="en-US" altLang="ko-KR">
+                <a:latin typeface="나눔고딕 Light" panose="020D0904000000000000" pitchFamily="50" charset="-127"/>
+                <a:ea typeface="나눔고딕 Light" panose="020D0904000000000000" pitchFamily="50" charset="-127"/>
+              </a:rPr>
+              <a:t>, </a:t>
+            </a:r>
+            <a:r>
+              <a:rPr lang="ko-KR" altLang="en-US">
+                <a:latin typeface="나눔고딕 Light" panose="020D0904000000000000" pitchFamily="50" charset="-127"/>
+                <a:ea typeface="나눔고딕 Light" panose="020D0904000000000000" pitchFamily="50" charset="-127"/>
+              </a:rPr>
+              <a:t>카메라는 씬을 보여주는 존재이기에 오른쪽으로 이동하면 모든 오브젝트는 왼쪽으로 이동하는 것 처럼 보임</a:t>
+            </a:r>
+            <a:endParaRPr lang="en-US" altLang="ko-KR">
+              <a:latin typeface="나눔고딕 Light" panose="020D0904000000000000" pitchFamily="50" charset="-127"/>
+              <a:ea typeface="나눔고딕 Light" panose="020D0904000000000000" pitchFamily="50" charset="-127"/>
+            </a:endParaRPr>
+          </a:p>
+        </p:txBody>
+      </p:sp>
+      <p:sp>
+        <p:nvSpPr>
+          <p:cNvPr id="14" name="TextBox 13">
+            <a:extLst>
+              <a:ext uri="{FF2B5EF4-FFF2-40B4-BE49-F238E27FC236}">
+                <a16:creationId xmlns:a16="http://schemas.microsoft.com/office/drawing/2014/main" id="{CD3C309A-10A8-4CDC-B170-371C5AA5F137}"/>
+              </a:ext>
+            </a:extLst>
+          </p:cNvPr>
+          <p:cNvSpPr txBox="1"/>
+          <p:nvPr/>
+        </p:nvSpPr>
+        <p:spPr>
+          <a:xfrm>
+            <a:off x="3048661" y="780690"/>
+            <a:ext cx="6094674" cy="1754326"/>
+          </a:xfrm>
+          <a:prstGeom prst="rect">
+            <a:avLst/>
+          </a:prstGeom>
+          <a:solidFill>
+            <a:schemeClr val="tx1"/>
+          </a:solidFill>
+        </p:spPr>
+        <p:txBody>
+          <a:bodyPr wrap="square">
+            <a:spAutoFit/>
+          </a:bodyPr>
+          <a:lstStyle/>
+          <a:p>
+            <a:r>
+              <a:rPr lang="en-US" altLang="ko-KR" b="0">
+                <a:solidFill>
+                  <a:srgbClr val="569CD6"/>
+                </a:solidFill>
+                <a:effectLst/>
+                <a:latin typeface="Consolas" panose="020B0609020204030204" pitchFamily="49" charset="0"/>
+              </a:rPr>
+              <a:t>void</a:t>
+            </a:r>
+            <a:r>
+              <a:rPr lang="en-US" altLang="ko-KR" b="0">
+                <a:solidFill>
+                  <a:srgbClr val="D4D4D4"/>
+                </a:solidFill>
+                <a:effectLst/>
+                <a:latin typeface="Consolas" panose="020B0609020204030204" pitchFamily="49" charset="0"/>
+              </a:rPr>
+              <a:t> </a:t>
+            </a:r>
+            <a:r>
+              <a:rPr lang="en-US" altLang="ko-KR" b="0">
+                <a:solidFill>
+                  <a:srgbClr val="4EC9B0"/>
+                </a:solidFill>
+                <a:effectLst/>
+                <a:latin typeface="Consolas" panose="020B0609020204030204" pitchFamily="49" charset="0"/>
+              </a:rPr>
+              <a:t>TestScene</a:t>
+            </a:r>
+            <a:r>
+              <a:rPr lang="en-US" altLang="ko-KR" b="0">
+                <a:solidFill>
+                  <a:srgbClr val="D4D4D4"/>
+                </a:solidFill>
+                <a:effectLst/>
+                <a:latin typeface="Consolas" panose="020B0609020204030204" pitchFamily="49" charset="0"/>
+              </a:rPr>
+              <a:t>::</a:t>
+            </a:r>
+            <a:r>
+              <a:rPr lang="en-US" altLang="ko-KR" b="0">
+                <a:solidFill>
+                  <a:srgbClr val="DCDCAA"/>
+                </a:solidFill>
+                <a:effectLst/>
+                <a:latin typeface="Consolas" panose="020B0609020204030204" pitchFamily="49" charset="0"/>
+              </a:rPr>
+              <a:t>OnStart</a:t>
+            </a:r>
+            <a:r>
+              <a:rPr lang="en-US" altLang="ko-KR" b="0">
+                <a:solidFill>
+                  <a:srgbClr val="D4D4D4"/>
+                </a:solidFill>
+                <a:effectLst/>
+                <a:latin typeface="Consolas" panose="020B0609020204030204" pitchFamily="49" charset="0"/>
+              </a:rPr>
+              <a:t>()</a:t>
+            </a:r>
+          </a:p>
+          <a:p>
+            <a:r>
+              <a:rPr lang="en-US" altLang="ko-KR" b="0">
+                <a:solidFill>
+                  <a:srgbClr val="D4D4D4"/>
+                </a:solidFill>
+                <a:effectLst/>
+                <a:latin typeface="Consolas" panose="020B0609020204030204" pitchFamily="49" charset="0"/>
+              </a:rPr>
+              <a:t>{</a:t>
+            </a:r>
+          </a:p>
+          <a:p>
+            <a:r>
+              <a:rPr lang="en-US" altLang="ko-KR" b="0">
+                <a:solidFill>
+                  <a:srgbClr val="D4D4D4"/>
+                </a:solidFill>
+                <a:effectLst/>
+                <a:latin typeface="Consolas" panose="020B0609020204030204" pitchFamily="49" charset="0"/>
+              </a:rPr>
+              <a:t>    </a:t>
+            </a:r>
+            <a:r>
+              <a:rPr lang="en-US" altLang="ko-KR" b="0">
+                <a:solidFill>
+                  <a:srgbClr val="DCDCAA"/>
+                </a:solidFill>
+                <a:effectLst/>
+                <a:latin typeface="Consolas" panose="020B0609020204030204" pitchFamily="49" charset="0"/>
+              </a:rPr>
+              <a:t>AttachObject</a:t>
+            </a:r>
+            <a:r>
+              <a:rPr lang="en-US" altLang="ko-KR" b="0">
+                <a:solidFill>
+                  <a:srgbClr val="D4D4D4"/>
+                </a:solidFill>
+                <a:effectLst/>
+                <a:latin typeface="Consolas" panose="020B0609020204030204" pitchFamily="49" charset="0"/>
+              </a:rPr>
+              <a:t>(</a:t>
+            </a:r>
+            <a:r>
+              <a:rPr lang="en-US" altLang="ko-KR" b="0">
+                <a:solidFill>
+                  <a:srgbClr val="C586C0"/>
+                </a:solidFill>
+                <a:effectLst/>
+                <a:latin typeface="Consolas" panose="020B0609020204030204" pitchFamily="49" charset="0"/>
+              </a:rPr>
+              <a:t>new</a:t>
+            </a:r>
+            <a:r>
+              <a:rPr lang="en-US" altLang="ko-KR" b="0">
+                <a:solidFill>
+                  <a:srgbClr val="D4D4D4"/>
+                </a:solidFill>
+                <a:effectLst/>
+                <a:latin typeface="Consolas" panose="020B0609020204030204" pitchFamily="49" charset="0"/>
+              </a:rPr>
+              <a:t> TestObject);</a:t>
+            </a:r>
+          </a:p>
+          <a:p>
+            <a:r>
+              <a:rPr lang="en-US" altLang="ko-KR" b="0">
+                <a:solidFill>
+                  <a:srgbClr val="D4D4D4"/>
+                </a:solidFill>
+                <a:effectLst/>
+                <a:latin typeface="Consolas" panose="020B0609020204030204" pitchFamily="49" charset="0"/>
+              </a:rPr>
+              <a:t>    Camera* cam = </a:t>
+            </a:r>
+            <a:r>
+              <a:rPr lang="en-US" altLang="ko-KR" b="0">
+                <a:solidFill>
+                  <a:srgbClr val="DCDCAA"/>
+                </a:solidFill>
+                <a:effectLst/>
+                <a:latin typeface="Consolas" panose="020B0609020204030204" pitchFamily="49" charset="0"/>
+              </a:rPr>
+              <a:t>GetMainCamera</a:t>
+            </a:r>
+            <a:r>
+              <a:rPr lang="en-US" altLang="ko-KR" b="0">
+                <a:solidFill>
+                  <a:srgbClr val="D4D4D4"/>
+                </a:solidFill>
+                <a:effectLst/>
+                <a:latin typeface="Consolas" panose="020B0609020204030204" pitchFamily="49" charset="0"/>
+              </a:rPr>
+              <a:t>();</a:t>
+            </a:r>
+          </a:p>
+          <a:p>
+            <a:r>
+              <a:rPr lang="en-US" altLang="ko-KR" b="0">
+                <a:solidFill>
+                  <a:srgbClr val="D4D4D4"/>
+                </a:solidFill>
+                <a:effectLst/>
+                <a:latin typeface="Consolas" panose="020B0609020204030204" pitchFamily="49" charset="0"/>
+              </a:rPr>
+              <a:t>    </a:t>
+            </a:r>
+            <a:r>
+              <a:rPr lang="en-US" altLang="ko-KR" b="0">
+                <a:solidFill>
+                  <a:srgbClr val="9CDCFE"/>
+                </a:solidFill>
+                <a:effectLst/>
+                <a:latin typeface="Consolas" panose="020B0609020204030204" pitchFamily="49" charset="0"/>
+              </a:rPr>
+              <a:t>cam</a:t>
+            </a:r>
+            <a:r>
+              <a:rPr lang="en-US" altLang="ko-KR" b="0">
+                <a:solidFill>
+                  <a:srgbClr val="D4D4D4"/>
+                </a:solidFill>
+                <a:effectLst/>
+                <a:latin typeface="Consolas" panose="020B0609020204030204" pitchFamily="49" charset="0"/>
+              </a:rPr>
+              <a:t>-&gt;</a:t>
+            </a:r>
+            <a:r>
+              <a:rPr lang="en-US" altLang="ko-KR" b="0">
+                <a:solidFill>
+                  <a:srgbClr val="DCDCAA"/>
+                </a:solidFill>
+                <a:effectLst/>
+                <a:latin typeface="Consolas" panose="020B0609020204030204" pitchFamily="49" charset="0"/>
+              </a:rPr>
+              <a:t>SetPosX</a:t>
+            </a:r>
+            <a:r>
+              <a:rPr lang="en-US" altLang="ko-KR" b="0">
+                <a:solidFill>
+                  <a:srgbClr val="D4D4D4"/>
+                </a:solidFill>
+                <a:effectLst/>
+                <a:latin typeface="Consolas" panose="020B0609020204030204" pitchFamily="49" charset="0"/>
+              </a:rPr>
+              <a:t>(</a:t>
+            </a:r>
+            <a:r>
+              <a:rPr lang="en-US" altLang="ko-KR" b="0">
+                <a:solidFill>
+                  <a:srgbClr val="B5CEA8"/>
+                </a:solidFill>
+                <a:effectLst/>
+                <a:latin typeface="Consolas" panose="020B0609020204030204" pitchFamily="49" charset="0"/>
+              </a:rPr>
+              <a:t>5</a:t>
+            </a:r>
+            <a:r>
+              <a:rPr lang="en-US" altLang="ko-KR" b="0">
+                <a:solidFill>
+                  <a:srgbClr val="D4D4D4"/>
+                </a:solidFill>
+                <a:effectLst/>
+                <a:latin typeface="Consolas" panose="020B0609020204030204" pitchFamily="49" charset="0"/>
+              </a:rPr>
+              <a:t>);</a:t>
+            </a:r>
+          </a:p>
+          <a:p>
+            <a:r>
+              <a:rPr lang="en-US" altLang="ko-KR" b="0">
+                <a:solidFill>
+                  <a:srgbClr val="D4D4D4"/>
+                </a:solidFill>
+                <a:effectLst/>
+                <a:latin typeface="Consolas" panose="020B0609020204030204" pitchFamily="49" charset="0"/>
+              </a:rPr>
+              <a:t>}</a:t>
+            </a:r>
+          </a:p>
+        </p:txBody>
+      </p:sp>
+      <p:pic>
+        <p:nvPicPr>
+          <p:cNvPr id="8" name="그림 7">
+            <a:extLst>
+              <a:ext uri="{FF2B5EF4-FFF2-40B4-BE49-F238E27FC236}">
+                <a16:creationId xmlns:a16="http://schemas.microsoft.com/office/drawing/2014/main" id="{7963652A-F713-46CA-AC4E-E884608B39FB}"/>
+              </a:ext>
+            </a:extLst>
+          </p:cNvPr>
+          <p:cNvPicPr>
+            <a:picLocks noChangeAspect="1"/>
+          </p:cNvPicPr>
+          <p:nvPr/>
+        </p:nvPicPr>
+        <p:blipFill>
+          <a:blip r:embed="rId2"/>
+          <a:stretch>
+            <a:fillRect/>
+          </a:stretch>
+        </p:blipFill>
+        <p:spPr>
+          <a:xfrm>
+            <a:off x="7269635" y="2886765"/>
+            <a:ext cx="3747399" cy="2198849"/>
+          </a:xfrm>
+          <a:prstGeom prst="rect">
+            <a:avLst/>
+          </a:prstGeom>
+        </p:spPr>
+      </p:pic>
+      <p:pic>
+        <p:nvPicPr>
+          <p:cNvPr id="11" name="그림 10">
+            <a:extLst>
+              <a:ext uri="{FF2B5EF4-FFF2-40B4-BE49-F238E27FC236}">
+                <a16:creationId xmlns:a16="http://schemas.microsoft.com/office/drawing/2014/main" id="{78EE36CC-9C82-48B8-85A9-BD386DC4D012}"/>
+              </a:ext>
+            </a:extLst>
+          </p:cNvPr>
+          <p:cNvPicPr>
+            <a:picLocks noChangeAspect="1"/>
+          </p:cNvPicPr>
+          <p:nvPr/>
+        </p:nvPicPr>
+        <p:blipFill>
+          <a:blip r:embed="rId3"/>
+          <a:stretch>
+            <a:fillRect/>
+          </a:stretch>
+        </p:blipFill>
+        <p:spPr>
+          <a:xfrm>
+            <a:off x="1174961" y="2886766"/>
+            <a:ext cx="3747399" cy="2198848"/>
+          </a:xfrm>
+          <a:prstGeom prst="rect">
+            <a:avLst/>
+          </a:prstGeom>
+        </p:spPr>
+      </p:pic>
+      <p:cxnSp>
+        <p:nvCxnSpPr>
+          <p:cNvPr id="13" name="직선 화살표 연결선 12">
+            <a:extLst>
+              <a:ext uri="{FF2B5EF4-FFF2-40B4-BE49-F238E27FC236}">
+                <a16:creationId xmlns:a16="http://schemas.microsoft.com/office/drawing/2014/main" id="{B44C713E-C817-4F3C-A88B-8E4551F8EA12}"/>
+              </a:ext>
+            </a:extLst>
+          </p:cNvPr>
+          <p:cNvCxnSpPr/>
+          <p:nvPr/>
+        </p:nvCxnSpPr>
+        <p:spPr>
+          <a:xfrm>
+            <a:off x="5153768" y="4081605"/>
+            <a:ext cx="1884459" cy="0"/>
+          </a:xfrm>
+          <a:prstGeom prst="straightConnector1">
+            <a:avLst/>
+          </a:prstGeom>
+          <a:ln>
+            <a:solidFill>
+              <a:schemeClr val="tx1"/>
+            </a:solidFill>
+            <a:tailEnd type="triangle"/>
+          </a:ln>
+        </p:spPr>
+        <p:style>
+          <a:lnRef idx="1">
+            <a:schemeClr val="accent1"/>
+          </a:lnRef>
+          <a:fillRef idx="0">
+            <a:schemeClr val="accent1"/>
+          </a:fillRef>
+          <a:effectRef idx="0">
+            <a:schemeClr val="accent1"/>
+          </a:effectRef>
+          <a:fontRef idx="minor">
+            <a:schemeClr val="tx1"/>
+          </a:fontRef>
+        </p:style>
+      </p:cxnSp>
+    </p:spTree>
+    <p:extLst>
+      <p:ext uri="{BB962C8B-B14F-4D97-AF65-F5344CB8AC3E}">
+        <p14:creationId xmlns:p14="http://schemas.microsoft.com/office/powerpoint/2010/main" val="2957923721"/>
+      </p:ext>
+    </p:extLst>
+  </p:cSld>
+  <p:clrMapOvr>
+    <a:masterClrMapping/>
+  </p:clrMapOvr>
+</p:sld>
+</file>
+
+<file path=ppt/slides/slide16.xml><?xml version="1.0" encoding="utf-8"?>
+<p:sld xmlns:a="http://schemas.openxmlformats.org/drawingml/2006/main" xmlns:r="http://schemas.openxmlformats.org/officeDocument/2006/relationships" xmlns:p="http://schemas.openxmlformats.org/presentationml/2006/main">
+  <p:cSld>
+    <p:spTree>
+      <p:nvGrpSpPr>
+        <p:cNvPr id="1" name=""/>
+        <p:cNvGrpSpPr/>
+        <p:nvPr/>
+      </p:nvGrpSpPr>
+      <p:grpSpPr>
+        <a:xfrm>
+          <a:off x="0" y="0"/>
+          <a:ext cx="0" cy="0"/>
+          <a:chOff x="0" y="0"/>
+          <a:chExt cx="0" cy="0"/>
+        </a:xfrm>
+      </p:grpSpPr>
+      <p:sp>
+        <p:nvSpPr>
+          <p:cNvPr id="6" name="TextBox 5">
+            <a:extLst>
+              <a:ext uri="{FF2B5EF4-FFF2-40B4-BE49-F238E27FC236}">
+                <a16:creationId xmlns:a16="http://schemas.microsoft.com/office/drawing/2014/main" id="{F453C929-8CA3-4E79-AF5D-99EC8407C6CF}"/>
+              </a:ext>
+            </a:extLst>
+          </p:cNvPr>
+          <p:cNvSpPr txBox="1"/>
+          <p:nvPr/>
+        </p:nvSpPr>
+        <p:spPr>
+          <a:xfrm>
+            <a:off x="171888" y="194702"/>
+            <a:ext cx="1627369" cy="523220"/>
+          </a:xfrm>
+          <a:prstGeom prst="rect">
+            <a:avLst/>
+          </a:prstGeom>
+          <a:noFill/>
+        </p:spPr>
+        <p:txBody>
+          <a:bodyPr wrap="none" rtlCol="0">
+            <a:spAutoFit/>
+          </a:bodyPr>
+          <a:lstStyle/>
+          <a:p>
+            <a:r>
+              <a:rPr lang="en-US" altLang="ko-KR" sz="2800">
+                <a:latin typeface="나눔고딕 Light" panose="020D0904000000000000" pitchFamily="50" charset="-127"/>
+                <a:ea typeface="나눔고딕 Light" panose="020D0904000000000000" pitchFamily="50" charset="-127"/>
+              </a:rPr>
+              <a:t>4. </a:t>
+            </a:r>
+            <a:r>
+              <a:rPr lang="ko-KR" altLang="en-US" sz="2800">
+                <a:latin typeface="나눔고딕 Light" panose="020D0904000000000000" pitchFamily="50" charset="-127"/>
+                <a:ea typeface="나눔고딕 Light" panose="020D0904000000000000" pitchFamily="50" charset="-127"/>
+              </a:rPr>
+              <a:t>카메라</a:t>
+            </a:r>
+          </a:p>
+        </p:txBody>
+      </p:sp>
+      <p:cxnSp>
+        <p:nvCxnSpPr>
+          <p:cNvPr id="4" name="직선 연결선 3">
+            <a:extLst>
+              <a:ext uri="{FF2B5EF4-FFF2-40B4-BE49-F238E27FC236}">
+                <a16:creationId xmlns:a16="http://schemas.microsoft.com/office/drawing/2014/main" id="{7442459B-3DED-44F0-9E4C-B50601FEB425}"/>
+              </a:ext>
+            </a:extLst>
+          </p:cNvPr>
+          <p:cNvCxnSpPr>
+            <a:cxnSpLocks/>
+          </p:cNvCxnSpPr>
+          <p:nvPr/>
+        </p:nvCxnSpPr>
+        <p:spPr>
+          <a:xfrm>
+            <a:off x="132133" y="780690"/>
+            <a:ext cx="819295" cy="0"/>
+          </a:xfrm>
+          <a:prstGeom prst="line">
+            <a:avLst/>
+          </a:prstGeom>
+          <a:ln>
+            <a:solidFill>
+              <a:schemeClr val="tx1"/>
+            </a:solidFill>
+          </a:ln>
+        </p:spPr>
+        <p:style>
+          <a:lnRef idx="1">
+            <a:schemeClr val="accent1"/>
+          </a:lnRef>
+          <a:fillRef idx="0">
+            <a:schemeClr val="accent1"/>
+          </a:fillRef>
+          <a:effectRef idx="0">
+            <a:schemeClr val="accent1"/>
+          </a:effectRef>
+          <a:fontRef idx="minor">
+            <a:schemeClr val="tx1"/>
+          </a:fontRef>
+        </p:style>
+      </p:cxnSp>
+      <p:sp>
+        <p:nvSpPr>
+          <p:cNvPr id="21" name="TextBox 20">
+            <a:extLst>
+              <a:ext uri="{FF2B5EF4-FFF2-40B4-BE49-F238E27FC236}">
+                <a16:creationId xmlns:a16="http://schemas.microsoft.com/office/drawing/2014/main" id="{25A33ABE-96DA-47F1-8F85-41984138076E}"/>
+              </a:ext>
+            </a:extLst>
+          </p:cNvPr>
+          <p:cNvSpPr txBox="1"/>
+          <p:nvPr/>
+        </p:nvSpPr>
+        <p:spPr>
+          <a:xfrm>
+            <a:off x="959015" y="4332132"/>
+            <a:ext cx="10273966" cy="1290353"/>
+          </a:xfrm>
+          <a:prstGeom prst="rect">
+            <a:avLst/>
+          </a:prstGeom>
+          <a:noFill/>
+        </p:spPr>
+        <p:txBody>
+          <a:bodyPr wrap="none" rtlCol="0">
+            <a:spAutoFit/>
+          </a:bodyPr>
+          <a:lstStyle/>
+          <a:p>
+            <a:pPr>
+              <a:lnSpc>
+                <a:spcPct val="150000"/>
+              </a:lnSpc>
+            </a:pPr>
+            <a:r>
+              <a:rPr lang="ko-KR" altLang="en-US">
+                <a:latin typeface="나눔고딕 Light" panose="020D0904000000000000" pitchFamily="50" charset="-127"/>
+                <a:ea typeface="나눔고딕 Light" panose="020D0904000000000000" pitchFamily="50" charset="-127"/>
+              </a:rPr>
+              <a:t>업데이트에 카메라의 값을 변경하여 효과를 주는 것도 가능함 </a:t>
+            </a:r>
+            <a:r>
+              <a:rPr lang="en-US" altLang="ko-KR">
+                <a:latin typeface="나눔고딕 Light" panose="020D0904000000000000" pitchFamily="50" charset="-127"/>
+                <a:ea typeface="나눔고딕 Light" panose="020D0904000000000000" pitchFamily="50" charset="-127"/>
+              </a:rPr>
+              <a:t>(</a:t>
+            </a:r>
+            <a:r>
+              <a:rPr lang="ko-KR" altLang="en-US">
+                <a:latin typeface="나눔고딕 Light" panose="020D0904000000000000" pitchFamily="50" charset="-127"/>
+                <a:ea typeface="나눔고딕 Light" panose="020D0904000000000000" pitchFamily="50" charset="-127"/>
+              </a:rPr>
+              <a:t>위의 코드는 계속 카메라가 돌아가는 코드</a:t>
+            </a:r>
+            <a:r>
+              <a:rPr lang="en-US" altLang="ko-KR">
+                <a:latin typeface="나눔고딕 Light" panose="020D0904000000000000" pitchFamily="50" charset="-127"/>
+                <a:ea typeface="나눔고딕 Light" panose="020D0904000000000000" pitchFamily="50" charset="-127"/>
+              </a:rPr>
+              <a:t>)</a:t>
+            </a:r>
+          </a:p>
+          <a:p>
+            <a:pPr>
+              <a:lnSpc>
+                <a:spcPct val="150000"/>
+              </a:lnSpc>
+            </a:pPr>
+            <a:r>
+              <a:rPr lang="ko-KR" altLang="en-US">
+                <a:latin typeface="나눔고딕 Light" panose="020D0904000000000000" pitchFamily="50" charset="-127"/>
+                <a:ea typeface="나눔고딕 Light" panose="020D0904000000000000" pitchFamily="50" charset="-127"/>
+              </a:rPr>
+              <a:t>오브젝트에서 카메라를 처리할 때는 씬을 받아와서 동일한 방법으로 수행할 수 있음</a:t>
+            </a:r>
+            <a:endParaRPr lang="en-US" altLang="ko-KR">
+              <a:latin typeface="나눔고딕 Light" panose="020D0904000000000000" pitchFamily="50" charset="-127"/>
+              <a:ea typeface="나눔고딕 Light" panose="020D0904000000000000" pitchFamily="50" charset="-127"/>
+            </a:endParaRPr>
+          </a:p>
+          <a:p>
+            <a:pPr>
+              <a:lnSpc>
+                <a:spcPct val="150000"/>
+              </a:lnSpc>
+            </a:pPr>
+            <a:r>
+              <a:rPr lang="ko-KR" altLang="en-US">
+                <a:latin typeface="나눔고딕 Light" panose="020D0904000000000000" pitchFamily="50" charset="-127"/>
+                <a:ea typeface="나눔고딕 Light" panose="020D0904000000000000" pitchFamily="50" charset="-127"/>
+              </a:rPr>
+              <a:t>카메라의 값을 적절히 응용하면</a:t>
+            </a:r>
+            <a:r>
+              <a:rPr lang="en-US" altLang="ko-KR">
+                <a:latin typeface="나눔고딕 Light" panose="020D0904000000000000" pitchFamily="50" charset="-127"/>
+                <a:ea typeface="나눔고딕 Light" panose="020D0904000000000000" pitchFamily="50" charset="-127"/>
+              </a:rPr>
+              <a:t>, </a:t>
+            </a:r>
+            <a:r>
+              <a:rPr lang="ko-KR" altLang="en-US">
+                <a:latin typeface="나눔고딕 Light" panose="020D0904000000000000" pitchFamily="50" charset="-127"/>
+                <a:ea typeface="나눔고딕 Light" panose="020D0904000000000000" pitchFamily="50" charset="-127"/>
+              </a:rPr>
+              <a:t>화면 흔들림 효과같은 것도 구현 가능함</a:t>
+            </a:r>
+            <a:endParaRPr lang="en-US" altLang="ko-KR">
+              <a:latin typeface="나눔고딕 Light" panose="020D0904000000000000" pitchFamily="50" charset="-127"/>
+              <a:ea typeface="나눔고딕 Light" panose="020D0904000000000000" pitchFamily="50" charset="-127"/>
+            </a:endParaRPr>
+          </a:p>
+        </p:txBody>
+      </p:sp>
+      <p:sp>
+        <p:nvSpPr>
+          <p:cNvPr id="14" name="TextBox 13">
+            <a:extLst>
+              <a:ext uri="{FF2B5EF4-FFF2-40B4-BE49-F238E27FC236}">
+                <a16:creationId xmlns:a16="http://schemas.microsoft.com/office/drawing/2014/main" id="{CD3C309A-10A8-4CDC-B170-371C5AA5F137}"/>
+              </a:ext>
+            </a:extLst>
+          </p:cNvPr>
+          <p:cNvSpPr txBox="1"/>
+          <p:nvPr/>
+        </p:nvSpPr>
+        <p:spPr>
+          <a:xfrm>
+            <a:off x="1757376" y="1951672"/>
+            <a:ext cx="8677244" cy="1477328"/>
+          </a:xfrm>
+          <a:prstGeom prst="rect">
+            <a:avLst/>
+          </a:prstGeom>
+          <a:solidFill>
+            <a:schemeClr val="tx1"/>
+          </a:solidFill>
+        </p:spPr>
+        <p:txBody>
+          <a:bodyPr wrap="square">
+            <a:spAutoFit/>
+          </a:bodyPr>
+          <a:lstStyle/>
+          <a:p>
+            <a:r>
+              <a:rPr lang="en-US" altLang="ko-KR" b="0">
+                <a:solidFill>
+                  <a:srgbClr val="569CD6"/>
+                </a:solidFill>
+                <a:effectLst/>
+                <a:latin typeface="Consolas" panose="020B0609020204030204" pitchFamily="49" charset="0"/>
+              </a:rPr>
+              <a:t>void</a:t>
+            </a:r>
+            <a:r>
+              <a:rPr lang="en-US" altLang="ko-KR" b="0">
+                <a:solidFill>
+                  <a:srgbClr val="D4D4D4"/>
+                </a:solidFill>
+                <a:effectLst/>
+                <a:latin typeface="Consolas" panose="020B0609020204030204" pitchFamily="49" charset="0"/>
+              </a:rPr>
+              <a:t> </a:t>
+            </a:r>
+            <a:r>
+              <a:rPr lang="en-US" altLang="ko-KR" b="0">
+                <a:solidFill>
+                  <a:srgbClr val="4EC9B0"/>
+                </a:solidFill>
+                <a:effectLst/>
+                <a:latin typeface="Consolas" panose="020B0609020204030204" pitchFamily="49" charset="0"/>
+              </a:rPr>
+              <a:t>TestScene</a:t>
+            </a:r>
+            <a:r>
+              <a:rPr lang="en-US" altLang="ko-KR" b="0">
+                <a:solidFill>
+                  <a:srgbClr val="D4D4D4"/>
+                </a:solidFill>
+                <a:effectLst/>
+                <a:latin typeface="Consolas" panose="020B0609020204030204" pitchFamily="49" charset="0"/>
+              </a:rPr>
+              <a:t>::</a:t>
+            </a:r>
+            <a:r>
+              <a:rPr lang="en-US" altLang="ko-KR" b="0">
+                <a:solidFill>
+                  <a:srgbClr val="DCDCAA"/>
+                </a:solidFill>
+                <a:effectLst/>
+                <a:latin typeface="Consolas" panose="020B0609020204030204" pitchFamily="49" charset="0"/>
+              </a:rPr>
+              <a:t>OnUpdate</a:t>
+            </a:r>
+            <a:r>
+              <a:rPr lang="en-US" altLang="ko-KR" b="0">
+                <a:solidFill>
+                  <a:srgbClr val="D4D4D4"/>
+                </a:solidFill>
+                <a:effectLst/>
+                <a:latin typeface="Consolas" panose="020B0609020204030204" pitchFamily="49" charset="0"/>
+              </a:rPr>
+              <a:t>()</a:t>
+            </a:r>
+          </a:p>
+          <a:p>
+            <a:r>
+              <a:rPr lang="en-US" altLang="ko-KR" b="0">
+                <a:solidFill>
+                  <a:srgbClr val="D4D4D4"/>
+                </a:solidFill>
+                <a:effectLst/>
+                <a:latin typeface="Consolas" panose="020B0609020204030204" pitchFamily="49" charset="0"/>
+              </a:rPr>
+              <a:t>{</a:t>
+            </a:r>
+          </a:p>
+          <a:p>
+            <a:r>
+              <a:rPr lang="en-US" altLang="ko-KR" b="0">
+                <a:solidFill>
+                  <a:srgbClr val="D4D4D4"/>
+                </a:solidFill>
+                <a:effectLst/>
+                <a:latin typeface="Consolas" panose="020B0609020204030204" pitchFamily="49" charset="0"/>
+              </a:rPr>
+              <a:t>    Camera* cam = </a:t>
+            </a:r>
+            <a:r>
+              <a:rPr lang="en-US" altLang="ko-KR" b="0">
+                <a:solidFill>
+                  <a:srgbClr val="DCDCAA"/>
+                </a:solidFill>
+                <a:effectLst/>
+                <a:latin typeface="Consolas" panose="020B0609020204030204" pitchFamily="49" charset="0"/>
+              </a:rPr>
+              <a:t>GetMainCamera</a:t>
+            </a:r>
+            <a:r>
+              <a:rPr lang="en-US" altLang="ko-KR" b="0">
+                <a:solidFill>
+                  <a:srgbClr val="D4D4D4"/>
+                </a:solidFill>
+                <a:effectLst/>
+                <a:latin typeface="Consolas" panose="020B0609020204030204" pitchFamily="49" charset="0"/>
+              </a:rPr>
+              <a:t>();</a:t>
+            </a:r>
+          </a:p>
+          <a:p>
+            <a:r>
+              <a:rPr lang="en-US" altLang="ko-KR" b="0">
+                <a:solidFill>
+                  <a:srgbClr val="D4D4D4"/>
+                </a:solidFill>
+                <a:effectLst/>
+                <a:latin typeface="Consolas" panose="020B0609020204030204" pitchFamily="49" charset="0"/>
+              </a:rPr>
+              <a:t>    </a:t>
+            </a:r>
+            <a:r>
+              <a:rPr lang="en-US" altLang="ko-KR" b="0">
+                <a:solidFill>
+                  <a:srgbClr val="9CDCFE"/>
+                </a:solidFill>
+                <a:effectLst/>
+                <a:latin typeface="Consolas" panose="020B0609020204030204" pitchFamily="49" charset="0"/>
+              </a:rPr>
+              <a:t>cam</a:t>
+            </a:r>
+            <a:r>
+              <a:rPr lang="en-US" altLang="ko-KR" b="0">
+                <a:solidFill>
+                  <a:srgbClr val="D4D4D4"/>
+                </a:solidFill>
+                <a:effectLst/>
+                <a:latin typeface="Consolas" panose="020B0609020204030204" pitchFamily="49" charset="0"/>
+              </a:rPr>
+              <a:t>-&gt;</a:t>
+            </a:r>
+            <a:r>
+              <a:rPr lang="en-US" altLang="ko-KR" b="0">
+                <a:solidFill>
+                  <a:srgbClr val="DCDCAA"/>
+                </a:solidFill>
+                <a:effectLst/>
+                <a:latin typeface="Consolas" panose="020B0609020204030204" pitchFamily="49" charset="0"/>
+              </a:rPr>
+              <a:t>SetRot</a:t>
+            </a:r>
+            <a:r>
+              <a:rPr lang="en-US" altLang="ko-KR" b="0">
+                <a:solidFill>
+                  <a:srgbClr val="D4D4D4"/>
+                </a:solidFill>
+                <a:effectLst/>
+                <a:latin typeface="Consolas" panose="020B0609020204030204" pitchFamily="49" charset="0"/>
+              </a:rPr>
+              <a:t>(</a:t>
+            </a:r>
+            <a:r>
+              <a:rPr lang="en-US" altLang="ko-KR" b="0">
+                <a:solidFill>
+                  <a:srgbClr val="9CDCFE"/>
+                </a:solidFill>
+                <a:effectLst/>
+                <a:latin typeface="Consolas" panose="020B0609020204030204" pitchFamily="49" charset="0"/>
+              </a:rPr>
+              <a:t>cam</a:t>
+            </a:r>
+            <a:r>
+              <a:rPr lang="en-US" altLang="ko-KR" b="0">
+                <a:solidFill>
+                  <a:srgbClr val="D4D4D4"/>
+                </a:solidFill>
+                <a:effectLst/>
+                <a:latin typeface="Consolas" panose="020B0609020204030204" pitchFamily="49" charset="0"/>
+              </a:rPr>
+              <a:t>-&gt;</a:t>
+            </a:r>
+            <a:r>
+              <a:rPr lang="en-US" altLang="ko-KR" b="0">
+                <a:solidFill>
+                  <a:srgbClr val="DCDCAA"/>
+                </a:solidFill>
+                <a:effectLst/>
+                <a:latin typeface="Consolas" panose="020B0609020204030204" pitchFamily="49" charset="0"/>
+              </a:rPr>
+              <a:t>GetRot</a:t>
+            </a:r>
+            <a:r>
+              <a:rPr lang="en-US" altLang="ko-KR" b="0">
+                <a:solidFill>
+                  <a:srgbClr val="D4D4D4"/>
+                </a:solidFill>
+                <a:effectLst/>
+                <a:latin typeface="Consolas" panose="020B0609020204030204" pitchFamily="49" charset="0"/>
+              </a:rPr>
+              <a:t>() + </a:t>
+            </a:r>
+            <a:r>
+              <a:rPr lang="en-US" altLang="ko-KR" b="0">
+                <a:solidFill>
+                  <a:srgbClr val="B5CEA8"/>
+                </a:solidFill>
+                <a:effectLst/>
+                <a:latin typeface="Consolas" panose="020B0609020204030204" pitchFamily="49" charset="0"/>
+              </a:rPr>
+              <a:t>360</a:t>
+            </a:r>
+            <a:r>
+              <a:rPr lang="en-US" altLang="ko-KR" b="0">
+                <a:solidFill>
+                  <a:srgbClr val="D4D4D4"/>
+                </a:solidFill>
+                <a:effectLst/>
+                <a:latin typeface="Consolas" panose="020B0609020204030204" pitchFamily="49" charset="0"/>
+              </a:rPr>
+              <a:t> * </a:t>
+            </a:r>
+            <a:r>
+              <a:rPr lang="en-US" altLang="ko-KR" b="0">
+                <a:solidFill>
+                  <a:srgbClr val="9CDCFE"/>
+                </a:solidFill>
+                <a:effectLst/>
+                <a:latin typeface="Consolas" panose="020B0609020204030204" pitchFamily="49" charset="0"/>
+              </a:rPr>
+              <a:t>RG2R_TimeM</a:t>
+            </a:r>
+            <a:r>
+              <a:rPr lang="en-US" altLang="ko-KR" b="0">
+                <a:solidFill>
+                  <a:srgbClr val="D4D4D4"/>
+                </a:solidFill>
+                <a:effectLst/>
+                <a:latin typeface="Consolas" panose="020B0609020204030204" pitchFamily="49" charset="0"/>
+              </a:rPr>
+              <a:t>-&gt;</a:t>
+            </a:r>
+            <a:r>
+              <a:rPr lang="en-US" altLang="ko-KR" b="0">
+                <a:solidFill>
+                  <a:srgbClr val="DCDCAA"/>
+                </a:solidFill>
+                <a:effectLst/>
+                <a:latin typeface="Consolas" panose="020B0609020204030204" pitchFamily="49" charset="0"/>
+              </a:rPr>
+              <a:t>GetDeltaTime</a:t>
+            </a:r>
+            <a:r>
+              <a:rPr lang="en-US" altLang="ko-KR" b="0">
+                <a:solidFill>
+                  <a:srgbClr val="D4D4D4"/>
+                </a:solidFill>
+                <a:effectLst/>
+                <a:latin typeface="Consolas" panose="020B0609020204030204" pitchFamily="49" charset="0"/>
+              </a:rPr>
+              <a:t>());</a:t>
+            </a:r>
+          </a:p>
+          <a:p>
+            <a:r>
+              <a:rPr lang="en-US" altLang="ko-KR" b="0">
+                <a:solidFill>
+                  <a:srgbClr val="D4D4D4"/>
+                </a:solidFill>
+                <a:effectLst/>
+                <a:latin typeface="Consolas" panose="020B0609020204030204" pitchFamily="49" charset="0"/>
+              </a:rPr>
+              <a:t>}</a:t>
+            </a:r>
+          </a:p>
+        </p:txBody>
+      </p:sp>
+    </p:spTree>
+    <p:extLst>
+      <p:ext uri="{BB962C8B-B14F-4D97-AF65-F5344CB8AC3E}">
+        <p14:creationId xmlns:p14="http://schemas.microsoft.com/office/powerpoint/2010/main" val="150098193"/>
+      </p:ext>
+    </p:extLst>
+  </p:cSld>
+  <p:clrMapOvr>
+    <a:masterClrMapping/>
+  </p:clrMapOvr>
+</p:sld>
+</file>
+
+<file path=ppt/slides/slide17.xml><?xml version="1.0" encoding="utf-8"?>
 <p:sld xmlns:a="http://schemas.openxmlformats.org/drawingml/2006/main" xmlns:r="http://schemas.openxmlformats.org/officeDocument/2006/relationships" xmlns:p="http://schemas.openxmlformats.org/presentationml/2006/main">
   <p:cSld>
     <p:spTree>
@@ -5941,7 +7926,7 @@
 </p:sld>
 </file>
 
-<file path=ppt/slides/slide15.xml><?xml version="1.0" encoding="utf-8"?>
+<file path=ppt/slides/slide18.xml><?xml version="1.0" encoding="utf-8"?>
 <p:sld xmlns:a="http://schemas.openxmlformats.org/drawingml/2006/main" xmlns:r="http://schemas.openxmlformats.org/officeDocument/2006/relationships" xmlns:p="http://schemas.openxmlformats.org/presentationml/2006/main">
   <p:cSld>
     <p:spTree>

--- a/수업 자료/6 - RG 엔진 기초.pptx
+++ b/수업 자료/6 - RG 엔진 기초.pptx
@@ -294,7 +294,7 @@
           <a:p>
             <a:fld id="{3BAD717E-5B48-41D6-98B3-DB23E84BF0BC}" type="datetimeFigureOut">
               <a:rPr lang="ko-KR" altLang="en-US" smtClean="0"/>
-              <a:t>2021-08-08</a:t>
+              <a:t>2021-08-10</a:t>
             </a:fld>
             <a:endParaRPr lang="ko-KR" altLang="en-US"/>
           </a:p>
@@ -492,7 +492,7 @@
           <a:p>
             <a:fld id="{3BAD717E-5B48-41D6-98B3-DB23E84BF0BC}" type="datetimeFigureOut">
               <a:rPr lang="ko-KR" altLang="en-US" smtClean="0"/>
-              <a:t>2021-08-08</a:t>
+              <a:t>2021-08-10</a:t>
             </a:fld>
             <a:endParaRPr lang="ko-KR" altLang="en-US"/>
           </a:p>
@@ -700,7 +700,7 @@
           <a:p>
             <a:fld id="{3BAD717E-5B48-41D6-98B3-DB23E84BF0BC}" type="datetimeFigureOut">
               <a:rPr lang="ko-KR" altLang="en-US" smtClean="0"/>
-              <a:t>2021-08-08</a:t>
+              <a:t>2021-08-10</a:t>
             </a:fld>
             <a:endParaRPr lang="ko-KR" altLang="en-US"/>
           </a:p>
@@ -898,7 +898,7 @@
           <a:p>
             <a:fld id="{3BAD717E-5B48-41D6-98B3-DB23E84BF0BC}" type="datetimeFigureOut">
               <a:rPr lang="ko-KR" altLang="en-US" smtClean="0"/>
-              <a:t>2021-08-08</a:t>
+              <a:t>2021-08-10</a:t>
             </a:fld>
             <a:endParaRPr lang="ko-KR" altLang="en-US"/>
           </a:p>
@@ -1173,7 +1173,7 @@
           <a:p>
             <a:fld id="{3BAD717E-5B48-41D6-98B3-DB23E84BF0BC}" type="datetimeFigureOut">
               <a:rPr lang="ko-KR" altLang="en-US" smtClean="0"/>
-              <a:t>2021-08-08</a:t>
+              <a:t>2021-08-10</a:t>
             </a:fld>
             <a:endParaRPr lang="ko-KR" altLang="en-US"/>
           </a:p>
@@ -1438,7 +1438,7 @@
           <a:p>
             <a:fld id="{3BAD717E-5B48-41D6-98B3-DB23E84BF0BC}" type="datetimeFigureOut">
               <a:rPr lang="ko-KR" altLang="en-US" smtClean="0"/>
-              <a:t>2021-08-08</a:t>
+              <a:t>2021-08-10</a:t>
             </a:fld>
             <a:endParaRPr lang="ko-KR" altLang="en-US"/>
           </a:p>
@@ -1850,7 +1850,7 @@
           <a:p>
             <a:fld id="{3BAD717E-5B48-41D6-98B3-DB23E84BF0BC}" type="datetimeFigureOut">
               <a:rPr lang="ko-KR" altLang="en-US" smtClean="0"/>
-              <a:t>2021-08-08</a:t>
+              <a:t>2021-08-10</a:t>
             </a:fld>
             <a:endParaRPr lang="ko-KR" altLang="en-US"/>
           </a:p>
@@ -1991,7 +1991,7 @@
           <a:p>
             <a:fld id="{3BAD717E-5B48-41D6-98B3-DB23E84BF0BC}" type="datetimeFigureOut">
               <a:rPr lang="ko-KR" altLang="en-US" smtClean="0"/>
-              <a:t>2021-08-08</a:t>
+              <a:t>2021-08-10</a:t>
             </a:fld>
             <a:endParaRPr lang="ko-KR" altLang="en-US"/>
           </a:p>
@@ -2104,7 +2104,7 @@
           <a:p>
             <a:fld id="{3BAD717E-5B48-41D6-98B3-DB23E84BF0BC}" type="datetimeFigureOut">
               <a:rPr lang="ko-KR" altLang="en-US" smtClean="0"/>
-              <a:t>2021-08-08</a:t>
+              <a:t>2021-08-10</a:t>
             </a:fld>
             <a:endParaRPr lang="ko-KR" altLang="en-US"/>
           </a:p>
@@ -2415,7 +2415,7 @@
           <a:p>
             <a:fld id="{3BAD717E-5B48-41D6-98B3-DB23E84BF0BC}" type="datetimeFigureOut">
               <a:rPr lang="ko-KR" altLang="en-US" smtClean="0"/>
-              <a:t>2021-08-08</a:t>
+              <a:t>2021-08-10</a:t>
             </a:fld>
             <a:endParaRPr lang="ko-KR" altLang="en-US"/>
           </a:p>
@@ -2703,7 +2703,7 @@
           <a:p>
             <a:fld id="{3BAD717E-5B48-41D6-98B3-DB23E84BF0BC}" type="datetimeFigureOut">
               <a:rPr lang="ko-KR" altLang="en-US" smtClean="0"/>
-              <a:t>2021-08-08</a:t>
+              <a:t>2021-08-10</a:t>
             </a:fld>
             <a:endParaRPr lang="ko-KR" altLang="en-US"/>
           </a:p>
@@ -2944,7 +2944,7 @@
           <a:p>
             <a:fld id="{3BAD717E-5B48-41D6-98B3-DB23E84BF0BC}" type="datetimeFigureOut">
               <a:rPr lang="ko-KR" altLang="en-US" smtClean="0"/>
-              <a:t>2021-08-08</a:t>
+              <a:t>2021-08-10</a:t>
             </a:fld>
             <a:endParaRPr lang="ko-KR" altLang="en-US"/>
           </a:p>
